--- a/presentation.pptx
+++ b/presentation.pptx
@@ -165,6 +165,9 @@
           </p14:sldIdLst>
         </p14:section>
       </p14:sectionLst>
+    </p:ext>
+    <p:ext uri="{EFAFB233-063F-42B5-8137-9DF3F51BA10A}">
+      <p15:sldGuideLst xmlns:p15="http://schemas.microsoft.com/office/powerpoint/2012/main"/>
     </p:ext>
   </p:extLst>
 </p:presentation>
@@ -904,7 +907,7 @@
           <a:p>
             <a:fld id="{A4D2D086-D8B9-414E-915E-092703F07A7D}" type="datetimeFigureOut">
               <a:rPr lang="en-US" smtClean="0"/>
-              <a:t>25-Aug-23</a:t>
+              <a:t>26-Aug-23</a:t>
             </a:fld>
             <a:endParaRPr lang="en-US"/>
           </a:p>
@@ -1155,7 +1158,7 @@
           <a:p>
             <a:fld id="{A4D2D086-D8B9-414E-915E-092703F07A7D}" type="datetimeFigureOut">
               <a:rPr lang="en-US" smtClean="0"/>
-              <a:t>25-Aug-23</a:t>
+              <a:t>26-Aug-23</a:t>
             </a:fld>
             <a:endParaRPr lang="en-US"/>
           </a:p>
@@ -1469,7 +1472,7 @@
           <a:p>
             <a:fld id="{A4D2D086-D8B9-414E-915E-092703F07A7D}" type="datetimeFigureOut">
               <a:rPr lang="en-US" smtClean="0"/>
-              <a:t>25-Aug-23</a:t>
+              <a:t>26-Aug-23</a:t>
             </a:fld>
             <a:endParaRPr lang="en-US"/>
           </a:p>
@@ -1810,7 +1813,7 @@
           <a:p>
             <a:fld id="{A4D2D086-D8B9-414E-915E-092703F07A7D}" type="datetimeFigureOut">
               <a:rPr lang="en-US" smtClean="0"/>
-              <a:t>25-Aug-23</a:t>
+              <a:t>26-Aug-23</a:t>
             </a:fld>
             <a:endParaRPr lang="en-US"/>
           </a:p>
@@ -2124,7 +2127,7 @@
           <a:p>
             <a:fld id="{A4D2D086-D8B9-414E-915E-092703F07A7D}" type="datetimeFigureOut">
               <a:rPr lang="en-US" smtClean="0"/>
-              <a:t>25-Aug-23</a:t>
+              <a:t>26-Aug-23</a:t>
             </a:fld>
             <a:endParaRPr lang="en-US"/>
           </a:p>
@@ -2517,7 +2520,7 @@
           <a:p>
             <a:fld id="{A4D2D086-D8B9-414E-915E-092703F07A7D}" type="datetimeFigureOut">
               <a:rPr lang="en-US" smtClean="0"/>
-              <a:t>25-Aug-23</a:t>
+              <a:t>26-Aug-23</a:t>
             </a:fld>
             <a:endParaRPr lang="en-US"/>
           </a:p>
@@ -2687,7 +2690,7 @@
           <a:p>
             <a:fld id="{A4D2D086-D8B9-414E-915E-092703F07A7D}" type="datetimeFigureOut">
               <a:rPr lang="en-US" smtClean="0"/>
-              <a:t>25-Aug-23</a:t>
+              <a:t>26-Aug-23</a:t>
             </a:fld>
             <a:endParaRPr lang="en-US"/>
           </a:p>
@@ -2867,7 +2870,7 @@
           <a:p>
             <a:fld id="{A4D2D086-D8B9-414E-915E-092703F07A7D}" type="datetimeFigureOut">
               <a:rPr lang="en-US" smtClean="0"/>
-              <a:t>25-Aug-23</a:t>
+              <a:t>26-Aug-23</a:t>
             </a:fld>
             <a:endParaRPr lang="en-US"/>
           </a:p>
@@ -3043,7 +3046,7 @@
           <a:p>
             <a:fld id="{A4D2D086-D8B9-414E-915E-092703F07A7D}" type="datetimeFigureOut">
               <a:rPr lang="en-US" smtClean="0"/>
-              <a:t>25-Aug-23</a:t>
+              <a:t>26-Aug-23</a:t>
             </a:fld>
             <a:endParaRPr lang="en-US"/>
           </a:p>
@@ -3290,7 +3293,7 @@
           <a:p>
             <a:fld id="{A4D2D086-D8B9-414E-915E-092703F07A7D}" type="datetimeFigureOut">
               <a:rPr lang="en-US" smtClean="0"/>
-              <a:t>25-Aug-23</a:t>
+              <a:t>26-Aug-23</a:t>
             </a:fld>
             <a:endParaRPr lang="en-US"/>
           </a:p>
@@ -3522,7 +3525,7 @@
           <a:p>
             <a:fld id="{A4D2D086-D8B9-414E-915E-092703F07A7D}" type="datetimeFigureOut">
               <a:rPr lang="en-US" smtClean="0"/>
-              <a:t>25-Aug-23</a:t>
+              <a:t>26-Aug-23</a:t>
             </a:fld>
             <a:endParaRPr lang="en-US"/>
           </a:p>
@@ -3896,7 +3899,7 @@
           <a:p>
             <a:fld id="{A4D2D086-D8B9-414E-915E-092703F07A7D}" type="datetimeFigureOut">
               <a:rPr lang="en-US" smtClean="0"/>
-              <a:t>25-Aug-23</a:t>
+              <a:t>26-Aug-23</a:t>
             </a:fld>
             <a:endParaRPr lang="en-US"/>
           </a:p>
@@ -4019,7 +4022,7 @@
           <a:p>
             <a:fld id="{A4D2D086-D8B9-414E-915E-092703F07A7D}" type="datetimeFigureOut">
               <a:rPr lang="en-US" smtClean="0"/>
-              <a:t>25-Aug-23</a:t>
+              <a:t>26-Aug-23</a:t>
             </a:fld>
             <a:endParaRPr lang="en-US"/>
           </a:p>
@@ -4114,7 +4117,7 @@
           <a:p>
             <a:fld id="{A4D2D086-D8B9-414E-915E-092703F07A7D}" type="datetimeFigureOut">
               <a:rPr lang="en-US" smtClean="0"/>
-              <a:t>25-Aug-23</a:t>
+              <a:t>26-Aug-23</a:t>
             </a:fld>
             <a:endParaRPr lang="en-US"/>
           </a:p>
@@ -4369,7 +4372,7 @@
           <a:p>
             <a:fld id="{A4D2D086-D8B9-414E-915E-092703F07A7D}" type="datetimeFigureOut">
               <a:rPr lang="en-US" smtClean="0"/>
-              <a:t>25-Aug-23</a:t>
+              <a:t>26-Aug-23</a:t>
             </a:fld>
             <a:endParaRPr lang="en-US"/>
           </a:p>
@@ -4632,7 +4635,7 @@
           <a:p>
             <a:fld id="{A4D2D086-D8B9-414E-915E-092703F07A7D}" type="datetimeFigureOut">
               <a:rPr lang="en-US" smtClean="0"/>
-              <a:t>25-Aug-23</a:t>
+              <a:t>26-Aug-23</a:t>
             </a:fld>
             <a:endParaRPr lang="en-US"/>
           </a:p>
@@ -5375,7 +5378,7 @@
           <a:p>
             <a:fld id="{A4D2D086-D8B9-414E-915E-092703F07A7D}" type="datetimeFigureOut">
               <a:rPr lang="en-US" smtClean="0"/>
-              <a:t>25-Aug-23</a:t>
+              <a:t>26-Aug-23</a:t>
             </a:fld>
             <a:endParaRPr lang="en-US"/>
           </a:p>
@@ -8266,7 +8269,7 @@
                 <a:latin typeface="Times New Roman" panose="02020603050405020304" pitchFamily="18" charset="0"/>
                 <a:cs typeface="Times New Roman" panose="02020603050405020304" pitchFamily="18" charset="0"/>
               </a:rPr>
-              <a:t>nedostsajuće</a:t>
+              <a:t>nedostajuće</a:t>
             </a:r>
             <a:r>
               <a:rPr lang="en-US" dirty="0">
@@ -8553,7 +8556,12 @@
             <p:ph idx="1"/>
           </p:nvPr>
         </p:nvSpPr>
-        <p:spPr/>
+        <p:spPr>
+          <a:xfrm>
+            <a:off x="712537" y="1608328"/>
+            <a:ext cx="8596668" cy="3880773"/>
+          </a:xfrm>
+        </p:spPr>
         <p:txBody>
           <a:bodyPr/>
           <a:lstStyle/>
@@ -8696,7 +8704,7 @@
         </p:blipFill>
         <p:spPr>
           <a:xfrm>
-            <a:off x="677334" y="3342140"/>
+            <a:off x="712537" y="3195924"/>
             <a:ext cx="5858693" cy="3458058"/>
           </a:xfrm>
           <a:prstGeom prst="rect">
@@ -9931,7 +9939,7 @@
             </a:r>
             <a:r>
               <a:rPr lang="en-US" dirty="0" err="1"/>
-              <a:t>slični</a:t>
+              <a:t>slične</a:t>
             </a:r>
             <a:r>
               <a:rPr lang="en-US" dirty="0"/>
@@ -9968,14 +9976,6 @@
             <a:r>
               <a:rPr lang="en-US" dirty="0"/>
               <a:t> meri </a:t>
-            </a:r>
-            <a:r>
-              <a:rPr lang="en-US" dirty="0" err="1"/>
-              <a:t>jako</a:t>
-            </a:r>
-            <a:r>
-              <a:rPr lang="en-US" dirty="0"/>
-              <a:t> </a:t>
             </a:r>
             <a:r>
               <a:rPr lang="en-US" dirty="0" err="1"/>

--- a/presentation.pptx
+++ b/presentation.pptx
@@ -5918,7 +5918,12 @@
             <p:ph type="ctrTitle"/>
           </p:nvPr>
         </p:nvSpPr>
-        <p:spPr/>
+        <p:spPr>
+          <a:xfrm>
+            <a:off x="1507067" y="761085"/>
+            <a:ext cx="7766936" cy="1646302"/>
+          </a:xfrm>
+        </p:spPr>
         <p:txBody>
           <a:bodyPr/>
           <a:lstStyle/>
@@ -5946,10 +5951,335 @@
             <p:ph type="subTitle" idx="1"/>
           </p:nvPr>
         </p:nvSpPr>
-        <p:spPr/>
-        <p:txBody>
-          <a:bodyPr/>
+        <p:spPr>
+          <a:xfrm>
+            <a:off x="1550773" y="4804946"/>
+            <a:ext cx="3348938" cy="1096899"/>
+          </a:xfrm>
+        </p:spPr>
+        <p:txBody>
+          <a:bodyPr>
+            <a:normAutofit/>
+          </a:bodyPr>
           <a:lstStyle/>
+          <a:p>
+            <a:pPr marL="0" lvl="0" indent="0" algn="l" rtl="0">
+              <a:spcBef>
+                <a:spcPts val="0"/>
+              </a:spcBef>
+              <a:spcAft>
+                <a:spcPts val="0"/>
+              </a:spcAft>
+              <a:buNone/>
+            </a:pPr>
+            <a:r>
+              <a:rPr lang="en-US" dirty="0" err="1"/>
+              <a:t>profesor</a:t>
+            </a:r>
+            <a:r>
+              <a:rPr lang="en-US" dirty="0"/>
+              <a:t>: </a:t>
+            </a:r>
+            <a:r>
+              <a:rPr lang="sr-Latn-RS" dirty="0"/>
+              <a:t>Dr </a:t>
+            </a:r>
+            <a:r>
+              <a:rPr lang="en-US" dirty="0"/>
+              <a:t>Nenad Miti</a:t>
+            </a:r>
+            <a:r>
+              <a:rPr lang="sr-Latn-RS" dirty="0"/>
+              <a:t>ć</a:t>
+            </a:r>
+            <a:endParaRPr lang="en-US" dirty="0"/>
+          </a:p>
+          <a:p>
+            <a:pPr marL="0" lvl="0" indent="0" algn="l" rtl="0">
+              <a:spcBef>
+                <a:spcPts val="0"/>
+              </a:spcBef>
+              <a:spcAft>
+                <a:spcPts val="0"/>
+              </a:spcAft>
+              <a:buNone/>
+            </a:pPr>
+            <a:r>
+              <a:rPr lang="en-US" dirty="0" err="1"/>
+              <a:t>asistent</a:t>
+            </a:r>
+            <a:r>
+              <a:rPr lang="en-US" dirty="0"/>
+              <a:t>:</a:t>
+            </a:r>
+            <a:r>
+              <a:rPr lang="sr-Latn-RS" dirty="0"/>
+              <a:t>  </a:t>
+            </a:r>
+            <a:r>
+              <a:rPr lang="en-US" dirty="0"/>
+              <a:t>Stefan </a:t>
+            </a:r>
+            <a:r>
+              <a:rPr lang="en-US" dirty="0" err="1"/>
+              <a:t>Kapunac</a:t>
+            </a:r>
+            <a:endParaRPr lang="en-US" dirty="0"/>
+          </a:p>
+          <a:p>
+            <a:endParaRPr lang="en-US" dirty="0"/>
+          </a:p>
+          <a:p>
+            <a:endParaRPr lang="en-US" dirty="0"/>
+          </a:p>
+        </p:txBody>
+      </p:sp>
+      <p:sp>
+        <p:nvSpPr>
+          <p:cNvPr id="4" name="Subtitle 2">
+            <a:extLst>
+              <a:ext uri="{FF2B5EF4-FFF2-40B4-BE49-F238E27FC236}">
+                <a16:creationId xmlns:a16="http://schemas.microsoft.com/office/drawing/2014/main" id="{C804FD8E-4A40-942F-F784-8165DEC6C564}"/>
+              </a:ext>
+            </a:extLst>
+          </p:cNvPr>
+          <p:cNvSpPr txBox="1">
+            <a:spLocks/>
+          </p:cNvSpPr>
+          <p:nvPr/>
+        </p:nvSpPr>
+        <p:spPr>
+          <a:xfrm>
+            <a:off x="6077465" y="3708963"/>
+            <a:ext cx="3348938" cy="1096899"/>
+          </a:xfrm>
+          <a:prstGeom prst="rect">
+            <a:avLst/>
+          </a:prstGeom>
+        </p:spPr>
+        <p:txBody>
+          <a:bodyPr vert="horz" lIns="91440" tIns="45720" rIns="91440" bIns="45720" rtlCol="0" anchor="t">
+            <a:normAutofit/>
+          </a:bodyPr>
+          <a:lstStyle>
+            <a:lvl1pPr marL="0" indent="0" algn="r" defTabSz="457200" rtl="0" eaLnBrk="1" latinLnBrk="0" hangingPunct="1">
+              <a:spcBef>
+                <a:spcPts val="1000"/>
+              </a:spcBef>
+              <a:spcAft>
+                <a:spcPts val="0"/>
+              </a:spcAft>
+              <a:buClr>
+                <a:schemeClr val="accent1"/>
+              </a:buClr>
+              <a:buSzPct val="80000"/>
+              <a:buFont typeface="Wingdings 3" charset="2"/>
+              <a:buNone/>
+              <a:defRPr sz="1800" kern="1200">
+                <a:solidFill>
+                  <a:schemeClr val="tx1">
+                    <a:lumMod val="50000"/>
+                    <a:lumOff val="50000"/>
+                  </a:schemeClr>
+                </a:solidFill>
+                <a:latin typeface="+mn-lt"/>
+                <a:ea typeface="+mn-ea"/>
+                <a:cs typeface="+mn-cs"/>
+              </a:defRPr>
+            </a:lvl1pPr>
+            <a:lvl2pPr marL="457200" indent="0" algn="ctr" defTabSz="457200" rtl="0" eaLnBrk="1" latinLnBrk="0" hangingPunct="1">
+              <a:spcBef>
+                <a:spcPts val="1000"/>
+              </a:spcBef>
+              <a:spcAft>
+                <a:spcPts val="0"/>
+              </a:spcAft>
+              <a:buClr>
+                <a:schemeClr val="accent1"/>
+              </a:buClr>
+              <a:buSzPct val="80000"/>
+              <a:buFont typeface="Wingdings 3" charset="2"/>
+              <a:buNone/>
+              <a:defRPr sz="1600" kern="1200">
+                <a:solidFill>
+                  <a:schemeClr val="tx1">
+                    <a:tint val="75000"/>
+                  </a:schemeClr>
+                </a:solidFill>
+                <a:latin typeface="+mn-lt"/>
+                <a:ea typeface="+mn-ea"/>
+                <a:cs typeface="+mn-cs"/>
+              </a:defRPr>
+            </a:lvl2pPr>
+            <a:lvl3pPr marL="914400" indent="0" algn="ctr" defTabSz="457200" rtl="0" eaLnBrk="1" latinLnBrk="0" hangingPunct="1">
+              <a:spcBef>
+                <a:spcPts val="1000"/>
+              </a:spcBef>
+              <a:spcAft>
+                <a:spcPts val="0"/>
+              </a:spcAft>
+              <a:buClr>
+                <a:schemeClr val="accent1"/>
+              </a:buClr>
+              <a:buSzPct val="80000"/>
+              <a:buFont typeface="Wingdings 3" charset="2"/>
+              <a:buNone/>
+              <a:defRPr sz="1400" kern="1200">
+                <a:solidFill>
+                  <a:schemeClr val="tx1">
+                    <a:tint val="75000"/>
+                  </a:schemeClr>
+                </a:solidFill>
+                <a:latin typeface="+mn-lt"/>
+                <a:ea typeface="+mn-ea"/>
+                <a:cs typeface="+mn-cs"/>
+              </a:defRPr>
+            </a:lvl3pPr>
+            <a:lvl4pPr marL="1371600" indent="0" algn="ctr" defTabSz="457200" rtl="0" eaLnBrk="1" latinLnBrk="0" hangingPunct="1">
+              <a:spcBef>
+                <a:spcPts val="1000"/>
+              </a:spcBef>
+              <a:spcAft>
+                <a:spcPts val="0"/>
+              </a:spcAft>
+              <a:buClr>
+                <a:schemeClr val="accent1"/>
+              </a:buClr>
+              <a:buSzPct val="80000"/>
+              <a:buFont typeface="Wingdings 3" charset="2"/>
+              <a:buNone/>
+              <a:defRPr sz="1200" kern="1200">
+                <a:solidFill>
+                  <a:schemeClr val="tx1">
+                    <a:tint val="75000"/>
+                  </a:schemeClr>
+                </a:solidFill>
+                <a:latin typeface="+mn-lt"/>
+                <a:ea typeface="+mn-ea"/>
+                <a:cs typeface="+mn-cs"/>
+              </a:defRPr>
+            </a:lvl4pPr>
+            <a:lvl5pPr marL="1828800" indent="0" algn="ctr" defTabSz="457200" rtl="0" eaLnBrk="1" latinLnBrk="0" hangingPunct="1">
+              <a:spcBef>
+                <a:spcPts val="1000"/>
+              </a:spcBef>
+              <a:spcAft>
+                <a:spcPts val="0"/>
+              </a:spcAft>
+              <a:buClr>
+                <a:schemeClr val="accent1"/>
+              </a:buClr>
+              <a:buSzPct val="80000"/>
+              <a:buFont typeface="Wingdings 3" charset="2"/>
+              <a:buNone/>
+              <a:defRPr sz="1200" kern="1200">
+                <a:solidFill>
+                  <a:schemeClr val="tx1">
+                    <a:tint val="75000"/>
+                  </a:schemeClr>
+                </a:solidFill>
+                <a:latin typeface="+mn-lt"/>
+                <a:ea typeface="+mn-ea"/>
+                <a:cs typeface="+mn-cs"/>
+              </a:defRPr>
+            </a:lvl5pPr>
+            <a:lvl6pPr marL="2286000" indent="0" algn="ctr" defTabSz="457200" rtl="0" eaLnBrk="1" latinLnBrk="0" hangingPunct="1">
+              <a:spcBef>
+                <a:spcPts val="1000"/>
+              </a:spcBef>
+              <a:spcAft>
+                <a:spcPts val="0"/>
+              </a:spcAft>
+              <a:buClr>
+                <a:schemeClr val="accent1"/>
+              </a:buClr>
+              <a:buSzPct val="80000"/>
+              <a:buFont typeface="Wingdings 3" charset="2"/>
+              <a:buNone/>
+              <a:defRPr sz="1200" kern="1200">
+                <a:solidFill>
+                  <a:schemeClr val="tx1">
+                    <a:tint val="75000"/>
+                  </a:schemeClr>
+                </a:solidFill>
+                <a:latin typeface="+mn-lt"/>
+                <a:ea typeface="+mn-ea"/>
+                <a:cs typeface="+mn-cs"/>
+              </a:defRPr>
+            </a:lvl6pPr>
+            <a:lvl7pPr marL="2743200" indent="0" algn="ctr" defTabSz="457200" rtl="0" eaLnBrk="1" latinLnBrk="0" hangingPunct="1">
+              <a:spcBef>
+                <a:spcPts val="1000"/>
+              </a:spcBef>
+              <a:spcAft>
+                <a:spcPts val="0"/>
+              </a:spcAft>
+              <a:buClr>
+                <a:schemeClr val="accent1"/>
+              </a:buClr>
+              <a:buSzPct val="80000"/>
+              <a:buFont typeface="Wingdings 3" charset="2"/>
+              <a:buNone/>
+              <a:defRPr sz="1200" kern="1200">
+                <a:solidFill>
+                  <a:schemeClr val="tx1">
+                    <a:tint val="75000"/>
+                  </a:schemeClr>
+                </a:solidFill>
+                <a:latin typeface="+mn-lt"/>
+                <a:ea typeface="+mn-ea"/>
+                <a:cs typeface="+mn-cs"/>
+              </a:defRPr>
+            </a:lvl7pPr>
+            <a:lvl8pPr marL="3200400" indent="0" algn="ctr" defTabSz="457200" rtl="0" eaLnBrk="1" latinLnBrk="0" hangingPunct="1">
+              <a:spcBef>
+                <a:spcPts val="1000"/>
+              </a:spcBef>
+              <a:spcAft>
+                <a:spcPts val="0"/>
+              </a:spcAft>
+              <a:buClr>
+                <a:schemeClr val="accent1"/>
+              </a:buClr>
+              <a:buSzPct val="80000"/>
+              <a:buFont typeface="Wingdings 3" charset="2"/>
+              <a:buNone/>
+              <a:defRPr sz="1200" kern="1200">
+                <a:solidFill>
+                  <a:schemeClr val="tx1">
+                    <a:tint val="75000"/>
+                  </a:schemeClr>
+                </a:solidFill>
+                <a:latin typeface="+mn-lt"/>
+                <a:ea typeface="+mn-ea"/>
+                <a:cs typeface="+mn-cs"/>
+              </a:defRPr>
+            </a:lvl8pPr>
+            <a:lvl9pPr marL="3657600" indent="0" algn="ctr" defTabSz="457200" rtl="0" eaLnBrk="1" latinLnBrk="0" hangingPunct="1">
+              <a:spcBef>
+                <a:spcPts val="1000"/>
+              </a:spcBef>
+              <a:spcAft>
+                <a:spcPts val="0"/>
+              </a:spcAft>
+              <a:buClr>
+                <a:schemeClr val="accent1"/>
+              </a:buClr>
+              <a:buSzPct val="80000"/>
+              <a:buFont typeface="Wingdings 3" charset="2"/>
+              <a:buNone/>
+              <a:defRPr sz="1200" kern="1200">
+                <a:solidFill>
+                  <a:schemeClr val="tx1">
+                    <a:tint val="75000"/>
+                  </a:schemeClr>
+                </a:solidFill>
+                <a:latin typeface="+mn-lt"/>
+                <a:ea typeface="+mn-ea"/>
+                <a:cs typeface="+mn-cs"/>
+              </a:defRPr>
+            </a:lvl9pPr>
+          </a:lstStyle>
           <a:p>
             <a:r>
               <a:rPr lang="en-US" dirty="0"/>
@@ -5965,6 +6295,21 @@
               <a:rPr lang="sr-Latn-RS" dirty="0"/>
               <a:t>Istraživanje podataka 1</a:t>
             </a:r>
+            <a:endParaRPr lang="en-US" dirty="0"/>
+          </a:p>
+          <a:p>
+            <a:endParaRPr lang="en-US" dirty="0"/>
+          </a:p>
+          <a:p>
+            <a:endParaRPr lang="en-US" dirty="0"/>
+          </a:p>
+          <a:p>
+            <a:endParaRPr lang="en-US" dirty="0"/>
+          </a:p>
+          <a:p>
+            <a:endParaRPr lang="en-US" dirty="0"/>
+          </a:p>
+          <a:p>
             <a:endParaRPr lang="en-US" dirty="0"/>
           </a:p>
         </p:txBody>
@@ -6082,7 +6427,7 @@
         </p:blipFill>
         <p:spPr>
           <a:xfrm>
-            <a:off x="1580991" y="2039185"/>
+            <a:off x="629521" y="1785872"/>
             <a:ext cx="7693011" cy="4209215"/>
           </a:xfrm>
         </p:spPr>
@@ -6189,8 +6534,8 @@
         </p:blipFill>
         <p:spPr>
           <a:xfrm>
-            <a:off x="677334" y="2478098"/>
-            <a:ext cx="10132166" cy="3770302"/>
+            <a:off x="436378" y="2478098"/>
+            <a:ext cx="8599106" cy="3199832"/>
           </a:xfrm>
         </p:spPr>
       </p:pic>
@@ -6208,8 +6553,8 @@
         </p:nvSpPr>
         <p:spPr>
           <a:xfrm>
-            <a:off x="677334" y="1627322"/>
-            <a:ext cx="10132167" cy="1477328"/>
+            <a:off x="677334" y="1454327"/>
+            <a:ext cx="9547882" cy="1754326"/>
           </a:xfrm>
           <a:prstGeom prst="rect">
             <a:avLst/>
@@ -6491,8 +6836,8 @@
         </p:blipFill>
         <p:spPr>
           <a:xfrm>
-            <a:off x="5317450" y="67629"/>
-            <a:ext cx="6709235" cy="6722741"/>
+            <a:off x="5347777" y="0"/>
+            <a:ext cx="6844223" cy="6858000"/>
           </a:xfrm>
         </p:spPr>
       </p:pic>
@@ -6807,8 +7152,8 @@
         </p:blipFill>
         <p:spPr>
           <a:xfrm>
-            <a:off x="398365" y="1465418"/>
-            <a:ext cx="5922552" cy="4481159"/>
+            <a:off x="213485" y="1619876"/>
+            <a:ext cx="5204953" cy="3938205"/>
           </a:xfrm>
         </p:spPr>
       </p:pic>
@@ -6826,8 +7171,8 @@
         </p:nvSpPr>
         <p:spPr>
           <a:xfrm>
-            <a:off x="6320917" y="1930400"/>
-            <a:ext cx="4972563" cy="3139321"/>
+            <a:off x="5573334" y="1579373"/>
+            <a:ext cx="3700668" cy="4247317"/>
           </a:xfrm>
           <a:prstGeom prst="rect">
             <a:avLst/>
@@ -7288,8 +7633,8 @@
         </p:blipFill>
         <p:spPr>
           <a:xfrm>
-            <a:off x="1487778" y="221639"/>
-            <a:ext cx="9216444" cy="6414721"/>
+            <a:off x="406004" y="298623"/>
+            <a:ext cx="8867998" cy="6172199"/>
           </a:xfrm>
         </p:spPr>
       </p:pic>
@@ -7377,8 +7722,8 @@
         </p:blipFill>
         <p:spPr>
           <a:xfrm>
-            <a:off x="1487778" y="221639"/>
-            <a:ext cx="9216444" cy="6414721"/>
+            <a:off x="432634" y="253314"/>
+            <a:ext cx="8841368" cy="6153665"/>
           </a:xfrm>
         </p:spPr>
       </p:pic>
@@ -7466,8 +7811,8 @@
         </p:blipFill>
         <p:spPr>
           <a:xfrm>
-            <a:off x="1487778" y="221639"/>
-            <a:ext cx="9216444" cy="6414721"/>
+            <a:off x="414880" y="240957"/>
+            <a:ext cx="8859122" cy="6166022"/>
           </a:xfrm>
         </p:spPr>
       </p:pic>
@@ -7601,7 +7946,12 @@
             <p:ph type="title"/>
           </p:nvPr>
         </p:nvSpPr>
-        <p:spPr/>
+        <p:spPr>
+          <a:xfrm>
+            <a:off x="677334" y="609600"/>
+            <a:ext cx="11234580" cy="1320800"/>
+          </a:xfrm>
+        </p:spPr>
         <p:txBody>
           <a:bodyPr/>
           <a:lstStyle/>
@@ -7644,7 +7994,7 @@
         </p:blipFill>
         <p:spPr>
           <a:xfrm>
-            <a:off x="7187541" y="1643133"/>
+            <a:off x="677334" y="1643133"/>
             <a:ext cx="3942792" cy="4605267"/>
           </a:xfrm>
         </p:spPr>
@@ -7663,8 +8013,8 @@
         </p:nvSpPr>
         <p:spPr>
           <a:xfrm>
-            <a:off x="677334" y="2545479"/>
-            <a:ext cx="5905773" cy="2862322"/>
+            <a:off x="5272228" y="2099106"/>
+            <a:ext cx="4495787" cy="3693319"/>
           </a:xfrm>
           <a:prstGeom prst="rect">
             <a:avLst/>
@@ -7680,10 +8030,13 @@
             <a:r>
               <a:rPr lang="en-US" sz="1800" b="0" i="0" dirty="0" err="1">
                 <a:solidFill>
-                  <a:srgbClr val="000000"/>
+                  <a:schemeClr val="tx1">
+                    <a:lumMod val="75000"/>
+                    <a:lumOff val="25000"/>
+                  </a:schemeClr>
                 </a:solidFill>
                 <a:effectLst/>
-                <a:latin typeface="Times New Roman" panose="02020603050405020304" pitchFamily="18" charset="0"/>
+                <a:latin typeface="Trebuchet MS (Body)"/>
                 <a:cs typeface="Times New Roman" panose="02020603050405020304" pitchFamily="18" charset="0"/>
               </a:rPr>
               <a:t>Ovaj</a:t>
@@ -7691,10 +8044,13 @@
             <a:r>
               <a:rPr lang="en-US" sz="1800" b="0" i="0" dirty="0">
                 <a:solidFill>
-                  <a:srgbClr val="000000"/>
+                  <a:schemeClr val="tx1">
+                    <a:lumMod val="75000"/>
+                    <a:lumOff val="25000"/>
+                  </a:schemeClr>
                 </a:solidFill>
                 <a:effectLst/>
-                <a:latin typeface="Times New Roman" panose="02020603050405020304" pitchFamily="18" charset="0"/>
+                <a:latin typeface="Trebuchet MS (Body)"/>
                 <a:cs typeface="Times New Roman" panose="02020603050405020304" pitchFamily="18" charset="0"/>
               </a:rPr>
               <a:t> rad je </a:t>
@@ -7702,10 +8058,13 @@
             <a:r>
               <a:rPr lang="en-US" sz="1800" b="0" i="0" dirty="0" err="1">
                 <a:solidFill>
-                  <a:srgbClr val="000000"/>
+                  <a:schemeClr val="tx1">
+                    <a:lumMod val="75000"/>
+                    <a:lumOff val="25000"/>
+                  </a:schemeClr>
                 </a:solidFill>
                 <a:effectLst/>
-                <a:latin typeface="Times New Roman" panose="02020603050405020304" pitchFamily="18" charset="0"/>
+                <a:latin typeface="Trebuchet MS (Body)"/>
                 <a:cs typeface="Times New Roman" panose="02020603050405020304" pitchFamily="18" charset="0"/>
               </a:rPr>
               <a:t>predvidjen</a:t>
@@ -7713,10 +8072,13 @@
             <a:r>
               <a:rPr lang="en-US" sz="1800" b="0" i="0" dirty="0">
                 <a:solidFill>
-                  <a:srgbClr val="000000"/>
+                  <a:schemeClr val="tx1">
+                    <a:lumMod val="75000"/>
+                    <a:lumOff val="25000"/>
+                  </a:schemeClr>
                 </a:solidFill>
                 <a:effectLst/>
-                <a:latin typeface="Times New Roman" panose="02020603050405020304" pitchFamily="18" charset="0"/>
+                <a:latin typeface="Trebuchet MS (Body)"/>
                 <a:cs typeface="Times New Roman" panose="02020603050405020304" pitchFamily="18" charset="0"/>
               </a:rPr>
               <a:t> za </a:t>
@@ -7724,10 +8086,13 @@
             <a:r>
               <a:rPr lang="en-US" sz="1800" b="0" i="0" dirty="0" err="1">
                 <a:solidFill>
-                  <a:srgbClr val="000000"/>
+                  <a:schemeClr val="tx1">
+                    <a:lumMod val="75000"/>
+                    <a:lumOff val="25000"/>
+                  </a:schemeClr>
                 </a:solidFill>
                 <a:effectLst/>
-                <a:latin typeface="Times New Roman" panose="02020603050405020304" pitchFamily="18" charset="0"/>
+                <a:latin typeface="Trebuchet MS (Body)"/>
                 <a:cs typeface="Times New Roman" panose="02020603050405020304" pitchFamily="18" charset="0"/>
               </a:rPr>
               <a:t>demonstriranje</a:t>
@@ -7735,10 +8100,13 @@
             <a:r>
               <a:rPr lang="en-US" sz="1800" b="0" i="0" dirty="0">
                 <a:solidFill>
-                  <a:srgbClr val="000000"/>
+                  <a:schemeClr val="tx1">
+                    <a:lumMod val="75000"/>
+                    <a:lumOff val="25000"/>
+                  </a:schemeClr>
                 </a:solidFill>
                 <a:effectLst/>
-                <a:latin typeface="Times New Roman" panose="02020603050405020304" pitchFamily="18" charset="0"/>
+                <a:latin typeface="Trebuchet MS (Body)"/>
                 <a:cs typeface="Times New Roman" panose="02020603050405020304" pitchFamily="18" charset="0"/>
               </a:rPr>
               <a:t> </a:t>
@@ -7746,10 +8114,13 @@
             <a:r>
               <a:rPr lang="en-US" sz="1800" b="0" i="0" dirty="0" err="1">
                 <a:solidFill>
-                  <a:srgbClr val="000000"/>
+                  <a:schemeClr val="tx1">
+                    <a:lumMod val="75000"/>
+                    <a:lumOff val="25000"/>
+                  </a:schemeClr>
                 </a:solidFill>
                 <a:effectLst/>
-                <a:latin typeface="Times New Roman" panose="02020603050405020304" pitchFamily="18" charset="0"/>
+                <a:latin typeface="Trebuchet MS (Body)"/>
                 <a:cs typeface="Times New Roman" panose="02020603050405020304" pitchFamily="18" charset="0"/>
               </a:rPr>
               <a:t>rada</a:t>
@@ -7757,10 +8128,13 @@
             <a:r>
               <a:rPr lang="en-US" sz="1800" b="0" i="0" dirty="0">
                 <a:solidFill>
-                  <a:srgbClr val="000000"/>
+                  <a:schemeClr val="tx1">
+                    <a:lumMod val="75000"/>
+                    <a:lumOff val="25000"/>
+                  </a:schemeClr>
                 </a:solidFill>
                 <a:effectLst/>
-                <a:latin typeface="Times New Roman" panose="02020603050405020304" pitchFamily="18" charset="0"/>
+                <a:latin typeface="Trebuchet MS (Body)"/>
                 <a:cs typeface="Times New Roman" panose="02020603050405020304" pitchFamily="18" charset="0"/>
               </a:rPr>
               <a:t> </a:t>
@@ -7768,10 +8142,13 @@
             <a:r>
               <a:rPr lang="en-US" sz="1800" b="0" i="0" dirty="0" err="1">
                 <a:solidFill>
-                  <a:srgbClr val="000000"/>
+                  <a:schemeClr val="tx1">
+                    <a:lumMod val="75000"/>
+                    <a:lumOff val="25000"/>
+                  </a:schemeClr>
                 </a:solidFill>
                 <a:effectLst/>
-                <a:latin typeface="Times New Roman" panose="02020603050405020304" pitchFamily="18" charset="0"/>
+                <a:latin typeface="Trebuchet MS (Body)"/>
                 <a:cs typeface="Times New Roman" panose="02020603050405020304" pitchFamily="18" charset="0"/>
               </a:rPr>
               <a:t>brojnih</a:t>
@@ -7779,10 +8156,13 @@
             <a:r>
               <a:rPr lang="en-US" sz="1800" b="0" i="0" dirty="0">
                 <a:solidFill>
-                  <a:srgbClr val="000000"/>
+                  <a:schemeClr val="tx1">
+                    <a:lumMod val="75000"/>
+                    <a:lumOff val="25000"/>
+                  </a:schemeClr>
                 </a:solidFill>
                 <a:effectLst/>
-                <a:latin typeface="Times New Roman" panose="02020603050405020304" pitchFamily="18" charset="0"/>
+                <a:latin typeface="Trebuchet MS (Body)"/>
                 <a:cs typeface="Times New Roman" panose="02020603050405020304" pitchFamily="18" charset="0"/>
               </a:rPr>
               <a:t> </a:t>
@@ -7790,10 +8170,13 @@
             <a:r>
               <a:rPr lang="en-US" sz="1800" b="0" i="0" dirty="0" err="1">
                 <a:solidFill>
-                  <a:srgbClr val="000000"/>
+                  <a:schemeClr val="tx1">
+                    <a:lumMod val="75000"/>
+                    <a:lumOff val="25000"/>
+                  </a:schemeClr>
                 </a:solidFill>
                 <a:effectLst/>
-                <a:latin typeface="Times New Roman" panose="02020603050405020304" pitchFamily="18" charset="0"/>
+                <a:latin typeface="Trebuchet MS (Body)"/>
                 <a:cs typeface="Times New Roman" panose="02020603050405020304" pitchFamily="18" charset="0"/>
               </a:rPr>
               <a:t>tehnika</a:t>
@@ -7801,10 +8184,13 @@
             <a:r>
               <a:rPr lang="en-US" sz="1800" b="0" i="0" dirty="0">
                 <a:solidFill>
-                  <a:srgbClr val="000000"/>
+                  <a:schemeClr val="tx1">
+                    <a:lumMod val="75000"/>
+                    <a:lumOff val="25000"/>
+                  </a:schemeClr>
                 </a:solidFill>
                 <a:effectLst/>
-                <a:latin typeface="Times New Roman" panose="02020603050405020304" pitchFamily="18" charset="0"/>
+                <a:latin typeface="Trebuchet MS (Body)"/>
                 <a:cs typeface="Times New Roman" panose="02020603050405020304" pitchFamily="18" charset="0"/>
               </a:rPr>
               <a:t> </a:t>
@@ -7812,10 +8198,13 @@
             <a:r>
               <a:rPr lang="en-US" sz="1800" b="0" i="0" dirty="0" err="1">
                 <a:solidFill>
-                  <a:srgbClr val="000000"/>
+                  <a:schemeClr val="tx1">
+                    <a:lumMod val="75000"/>
+                    <a:lumOff val="25000"/>
+                  </a:schemeClr>
                 </a:solidFill>
                 <a:effectLst/>
-                <a:latin typeface="Times New Roman" panose="02020603050405020304" pitchFamily="18" charset="0"/>
+                <a:latin typeface="Trebuchet MS (Body)"/>
                 <a:cs typeface="Times New Roman" panose="02020603050405020304" pitchFamily="18" charset="0"/>
               </a:rPr>
               <a:t>istraživanja</a:t>
@@ -7823,10 +8212,13 @@
             <a:r>
               <a:rPr lang="en-US" sz="1800" b="0" i="0" dirty="0">
                 <a:solidFill>
-                  <a:srgbClr val="000000"/>
+                  <a:schemeClr val="tx1">
+                    <a:lumMod val="75000"/>
+                    <a:lumOff val="25000"/>
+                  </a:schemeClr>
                 </a:solidFill>
                 <a:effectLst/>
-                <a:latin typeface="Times New Roman" panose="02020603050405020304" pitchFamily="18" charset="0"/>
+                <a:latin typeface="Trebuchet MS (Body)"/>
                 <a:cs typeface="Times New Roman" panose="02020603050405020304" pitchFamily="18" charset="0"/>
               </a:rPr>
               <a:t> </a:t>
@@ -7834,10 +8226,13 @@
             <a:r>
               <a:rPr lang="en-US" sz="1800" b="0" i="0" dirty="0" err="1">
                 <a:solidFill>
-                  <a:srgbClr val="000000"/>
+                  <a:schemeClr val="tx1">
+                    <a:lumMod val="75000"/>
+                    <a:lumOff val="25000"/>
+                  </a:schemeClr>
                 </a:solidFill>
                 <a:effectLst/>
-                <a:latin typeface="Times New Roman" panose="02020603050405020304" pitchFamily="18" charset="0"/>
+                <a:latin typeface="Trebuchet MS (Body)"/>
                 <a:cs typeface="Times New Roman" panose="02020603050405020304" pitchFamily="18" charset="0"/>
               </a:rPr>
               <a:t>podataka</a:t>
@@ -7845,10 +8240,13 @@
             <a:r>
               <a:rPr lang="en-US" sz="1800" b="0" i="0" dirty="0">
                 <a:solidFill>
-                  <a:srgbClr val="000000"/>
+                  <a:schemeClr val="tx1">
+                    <a:lumMod val="75000"/>
+                    <a:lumOff val="25000"/>
+                  </a:schemeClr>
                 </a:solidFill>
                 <a:effectLst/>
-                <a:latin typeface="Times New Roman" panose="02020603050405020304" pitchFamily="18" charset="0"/>
+                <a:latin typeface="Trebuchet MS (Body)"/>
                 <a:cs typeface="Times New Roman" panose="02020603050405020304" pitchFamily="18" charset="0"/>
               </a:rPr>
               <a:t>. </a:t>
@@ -7856,10 +8254,13 @@
             <a:r>
               <a:rPr lang="en-US" sz="1800" b="0" i="0" dirty="0" err="1">
                 <a:solidFill>
-                  <a:srgbClr val="000000"/>
+                  <a:schemeClr val="tx1">
+                    <a:lumMod val="75000"/>
+                    <a:lumOff val="25000"/>
+                  </a:schemeClr>
                 </a:solidFill>
                 <a:effectLst/>
-                <a:latin typeface="Times New Roman" panose="02020603050405020304" pitchFamily="18" charset="0"/>
+                <a:latin typeface="Trebuchet MS (Body)"/>
                 <a:cs typeface="Times New Roman" panose="02020603050405020304" pitchFamily="18" charset="0"/>
               </a:rPr>
               <a:t>Baza</a:t>
@@ -7867,10 +8268,13 @@
             <a:r>
               <a:rPr lang="en-US" sz="1800" b="0" i="0" dirty="0">
                 <a:solidFill>
-                  <a:srgbClr val="000000"/>
+                  <a:schemeClr val="tx1">
+                    <a:lumMod val="75000"/>
+                    <a:lumOff val="25000"/>
+                  </a:schemeClr>
                 </a:solidFill>
                 <a:effectLst/>
-                <a:latin typeface="Times New Roman" panose="02020603050405020304" pitchFamily="18" charset="0"/>
+                <a:latin typeface="Trebuchet MS (Body)"/>
                 <a:cs typeface="Times New Roman" panose="02020603050405020304" pitchFamily="18" charset="0"/>
               </a:rPr>
               <a:t> </a:t>
@@ -7878,10 +8282,13 @@
             <a:r>
               <a:rPr lang="en-US" sz="1800" b="0" i="0" dirty="0" err="1">
                 <a:solidFill>
-                  <a:srgbClr val="000000"/>
+                  <a:schemeClr val="tx1">
+                    <a:lumMod val="75000"/>
+                    <a:lumOff val="25000"/>
+                  </a:schemeClr>
                 </a:solidFill>
                 <a:effectLst/>
-                <a:latin typeface="Times New Roman" panose="02020603050405020304" pitchFamily="18" charset="0"/>
+                <a:latin typeface="Trebuchet MS (Body)"/>
                 <a:cs typeface="Times New Roman" panose="02020603050405020304" pitchFamily="18" charset="0"/>
               </a:rPr>
               <a:t>podataka</a:t>
@@ -7889,10 +8296,13 @@
             <a:r>
               <a:rPr lang="en-US" sz="1800" b="0" i="0" dirty="0">
                 <a:solidFill>
-                  <a:srgbClr val="000000"/>
+                  <a:schemeClr val="tx1">
+                    <a:lumMod val="75000"/>
+                    <a:lumOff val="25000"/>
+                  </a:schemeClr>
                 </a:solidFill>
                 <a:effectLst/>
-                <a:latin typeface="Times New Roman" panose="02020603050405020304" pitchFamily="18" charset="0"/>
+                <a:latin typeface="Trebuchet MS (Body)"/>
                 <a:cs typeface="Times New Roman" panose="02020603050405020304" pitchFamily="18" charset="0"/>
               </a:rPr>
               <a:t> </a:t>
@@ -7900,10 +8310,13 @@
             <a:r>
               <a:rPr lang="en-US" sz="1800" b="0" i="0" dirty="0" err="1">
                 <a:solidFill>
-                  <a:srgbClr val="000000"/>
+                  <a:schemeClr val="tx1">
+                    <a:lumMod val="75000"/>
+                    <a:lumOff val="25000"/>
+                  </a:schemeClr>
                 </a:solidFill>
                 <a:effectLst/>
-                <a:latin typeface="Times New Roman" panose="02020603050405020304" pitchFamily="18" charset="0"/>
+                <a:latin typeface="Trebuchet MS (Body)"/>
                 <a:cs typeface="Times New Roman" panose="02020603050405020304" pitchFamily="18" charset="0"/>
               </a:rPr>
               <a:t>koja</a:t>
@@ -7911,10 +8324,13 @@
             <a:r>
               <a:rPr lang="en-US" sz="1800" b="0" i="0" dirty="0">
                 <a:solidFill>
-                  <a:srgbClr val="000000"/>
+                  <a:schemeClr val="tx1">
+                    <a:lumMod val="75000"/>
+                    <a:lumOff val="25000"/>
+                  </a:schemeClr>
                 </a:solidFill>
                 <a:effectLst/>
-                <a:latin typeface="Times New Roman" panose="02020603050405020304" pitchFamily="18" charset="0"/>
+                <a:latin typeface="Trebuchet MS (Body)"/>
                 <a:cs typeface="Times New Roman" panose="02020603050405020304" pitchFamily="18" charset="0"/>
               </a:rPr>
               <a:t> se </a:t>
@@ -7922,10 +8338,13 @@
             <a:r>
               <a:rPr lang="en-US" sz="1800" b="0" i="0" dirty="0" err="1">
                 <a:solidFill>
-                  <a:srgbClr val="000000"/>
+                  <a:schemeClr val="tx1">
+                    <a:lumMod val="75000"/>
+                    <a:lumOff val="25000"/>
+                  </a:schemeClr>
                 </a:solidFill>
                 <a:effectLst/>
-                <a:latin typeface="Times New Roman" panose="02020603050405020304" pitchFamily="18" charset="0"/>
+                <a:latin typeface="Trebuchet MS (Body)"/>
                 <a:cs typeface="Times New Roman" panose="02020603050405020304" pitchFamily="18" charset="0"/>
               </a:rPr>
               <a:t>koristi</a:t>
@@ -7933,10 +8352,13 @@
             <a:r>
               <a:rPr lang="en-US" sz="1800" b="0" i="0" dirty="0">
                 <a:solidFill>
-                  <a:srgbClr val="000000"/>
+                  <a:schemeClr val="tx1">
+                    <a:lumMod val="75000"/>
+                    <a:lumOff val="25000"/>
+                  </a:schemeClr>
                 </a:solidFill>
                 <a:effectLst/>
-                <a:latin typeface="Times New Roman" panose="02020603050405020304" pitchFamily="18" charset="0"/>
+                <a:latin typeface="Trebuchet MS (Body)"/>
                 <a:cs typeface="Times New Roman" panose="02020603050405020304" pitchFamily="18" charset="0"/>
               </a:rPr>
               <a:t> </a:t>
@@ -7944,10 +8366,13 @@
             <a:r>
               <a:rPr lang="en-US" sz="1800" b="0" i="0" dirty="0" err="1">
                 <a:solidFill>
-                  <a:srgbClr val="000000"/>
+                  <a:schemeClr val="tx1">
+                    <a:lumMod val="75000"/>
+                    <a:lumOff val="25000"/>
+                  </a:schemeClr>
                 </a:solidFill>
                 <a:effectLst/>
-                <a:latin typeface="Times New Roman" panose="02020603050405020304" pitchFamily="18" charset="0"/>
+                <a:latin typeface="Trebuchet MS (Body)"/>
                 <a:cs typeface="Times New Roman" panose="02020603050405020304" pitchFamily="18" charset="0"/>
               </a:rPr>
               <a:t>sadrži</a:t>
@@ -7955,10 +8380,13 @@
             <a:r>
               <a:rPr lang="en-US" sz="1800" b="0" i="0" dirty="0">
                 <a:solidFill>
-                  <a:srgbClr val="000000"/>
+                  <a:schemeClr val="tx1">
+                    <a:lumMod val="75000"/>
+                    <a:lumOff val="25000"/>
+                  </a:schemeClr>
                 </a:solidFill>
                 <a:effectLst/>
-                <a:latin typeface="Times New Roman" panose="02020603050405020304" pitchFamily="18" charset="0"/>
+                <a:latin typeface="Trebuchet MS (Body)"/>
                 <a:cs typeface="Times New Roman" panose="02020603050405020304" pitchFamily="18" charset="0"/>
               </a:rPr>
               <a:t> </a:t>
@@ -7966,10 +8394,13 @@
             <a:r>
               <a:rPr lang="en-US" sz="1800" b="0" i="0" dirty="0" err="1">
                 <a:solidFill>
-                  <a:srgbClr val="000000"/>
+                  <a:schemeClr val="tx1">
+                    <a:lumMod val="75000"/>
+                    <a:lumOff val="25000"/>
+                  </a:schemeClr>
                 </a:solidFill>
                 <a:effectLst/>
-                <a:latin typeface="Times New Roman" panose="02020603050405020304" pitchFamily="18" charset="0"/>
+                <a:latin typeface="Trebuchet MS (Body)"/>
                 <a:cs typeface="Times New Roman" panose="02020603050405020304" pitchFamily="18" charset="0"/>
               </a:rPr>
               <a:t>podatke</a:t>
@@ -7977,10 +8408,13 @@
             <a:r>
               <a:rPr lang="en-US" sz="1800" b="0" i="0" dirty="0">
                 <a:solidFill>
-                  <a:srgbClr val="000000"/>
+                  <a:schemeClr val="tx1">
+                    <a:lumMod val="75000"/>
+                    <a:lumOff val="25000"/>
+                  </a:schemeClr>
                 </a:solidFill>
                 <a:effectLst/>
-                <a:latin typeface="Times New Roman" panose="02020603050405020304" pitchFamily="18" charset="0"/>
+                <a:latin typeface="Trebuchet MS (Body)"/>
                 <a:cs typeface="Times New Roman" panose="02020603050405020304" pitchFamily="18" charset="0"/>
               </a:rPr>
               <a:t> o </a:t>
@@ -7988,10 +8422,13 @@
             <a:r>
               <a:rPr lang="en-US" sz="1800" b="0" i="0" dirty="0" err="1">
                 <a:solidFill>
-                  <a:srgbClr val="000000"/>
+                  <a:schemeClr val="tx1">
+                    <a:lumMod val="75000"/>
+                    <a:lumOff val="25000"/>
+                  </a:schemeClr>
                 </a:solidFill>
                 <a:effectLst/>
-                <a:latin typeface="Times New Roman" panose="02020603050405020304" pitchFamily="18" charset="0"/>
+                <a:latin typeface="Trebuchet MS (Body)"/>
                 <a:cs typeface="Times New Roman" panose="02020603050405020304" pitchFamily="18" charset="0"/>
               </a:rPr>
               <a:t>bejzbol</a:t>
@@ -7999,10 +8436,13 @@
             <a:r>
               <a:rPr lang="en-US" sz="1800" b="0" i="0" dirty="0">
                 <a:solidFill>
-                  <a:srgbClr val="000000"/>
+                  <a:schemeClr val="tx1">
+                    <a:lumMod val="75000"/>
+                    <a:lumOff val="25000"/>
+                  </a:schemeClr>
                 </a:solidFill>
                 <a:effectLst/>
-                <a:latin typeface="Times New Roman" panose="02020603050405020304" pitchFamily="18" charset="0"/>
+                <a:latin typeface="Trebuchet MS (Body)"/>
                 <a:cs typeface="Times New Roman" panose="02020603050405020304" pitchFamily="18" charset="0"/>
               </a:rPr>
               <a:t> </a:t>
@@ -8010,10 +8450,13 @@
             <a:r>
               <a:rPr lang="en-US" sz="1800" b="0" i="0" dirty="0" err="1">
                 <a:solidFill>
-                  <a:srgbClr val="000000"/>
+                  <a:schemeClr val="tx1">
+                    <a:lumMod val="75000"/>
+                    <a:lumOff val="25000"/>
+                  </a:schemeClr>
                 </a:solidFill>
                 <a:effectLst/>
-                <a:latin typeface="Times New Roman" panose="02020603050405020304" pitchFamily="18" charset="0"/>
+                <a:latin typeface="Trebuchet MS (Body)"/>
                 <a:cs typeface="Times New Roman" panose="02020603050405020304" pitchFamily="18" charset="0"/>
               </a:rPr>
               <a:t>igračima</a:t>
@@ -8021,10 +8464,13 @@
             <a:r>
               <a:rPr lang="en-US" sz="1800" b="0" i="0" dirty="0">
                 <a:solidFill>
-                  <a:srgbClr val="000000"/>
+                  <a:schemeClr val="tx1">
+                    <a:lumMod val="75000"/>
+                    <a:lumOff val="25000"/>
+                  </a:schemeClr>
                 </a:solidFill>
                 <a:effectLst/>
-                <a:latin typeface="Times New Roman" panose="02020603050405020304" pitchFamily="18" charset="0"/>
+                <a:latin typeface="Trebuchet MS (Body)"/>
                 <a:cs typeface="Times New Roman" panose="02020603050405020304" pitchFamily="18" charset="0"/>
               </a:rPr>
               <a:t> </a:t>
@@ -8032,10 +8478,13 @@
             <a:r>
               <a:rPr lang="en-US" sz="1800" b="0" i="0" dirty="0" err="1">
                 <a:solidFill>
-                  <a:srgbClr val="000000"/>
+                  <a:schemeClr val="tx1">
+                    <a:lumMod val="75000"/>
+                    <a:lumOff val="25000"/>
+                  </a:schemeClr>
                 </a:solidFill>
                 <a:effectLst/>
-                <a:latin typeface="Times New Roman" panose="02020603050405020304" pitchFamily="18" charset="0"/>
+                <a:latin typeface="Trebuchet MS (Body)"/>
                 <a:cs typeface="Times New Roman" panose="02020603050405020304" pitchFamily="18" charset="0"/>
               </a:rPr>
               <a:t>i</a:t>
@@ -8043,10 +8492,13 @@
             <a:r>
               <a:rPr lang="en-US" sz="1800" b="0" i="0" dirty="0">
                 <a:solidFill>
-                  <a:srgbClr val="000000"/>
+                  <a:schemeClr val="tx1">
+                    <a:lumMod val="75000"/>
+                    <a:lumOff val="25000"/>
+                  </a:schemeClr>
                 </a:solidFill>
                 <a:effectLst/>
-                <a:latin typeface="Times New Roman" panose="02020603050405020304" pitchFamily="18" charset="0"/>
+                <a:latin typeface="Trebuchet MS (Body)"/>
                 <a:cs typeface="Times New Roman" panose="02020603050405020304" pitchFamily="18" charset="0"/>
               </a:rPr>
               <a:t> </a:t>
@@ -8054,10 +8506,13 @@
             <a:r>
               <a:rPr lang="en-US" sz="1800" b="0" i="0" dirty="0" err="1">
                 <a:solidFill>
-                  <a:srgbClr val="000000"/>
+                  <a:schemeClr val="tx1">
+                    <a:lumMod val="75000"/>
+                    <a:lumOff val="25000"/>
+                  </a:schemeClr>
                 </a:solidFill>
                 <a:effectLst/>
-                <a:latin typeface="Times New Roman" panose="02020603050405020304" pitchFamily="18" charset="0"/>
+                <a:latin typeface="Trebuchet MS (Body)"/>
                 <a:cs typeface="Times New Roman" panose="02020603050405020304" pitchFamily="18" charset="0"/>
               </a:rPr>
               <a:t>njihovim</a:t>
@@ -8065,10 +8520,13 @@
             <a:r>
               <a:rPr lang="en-US" sz="1800" b="0" i="0" dirty="0">
                 <a:solidFill>
-                  <a:srgbClr val="000000"/>
+                  <a:schemeClr val="tx1">
+                    <a:lumMod val="75000"/>
+                    <a:lumOff val="25000"/>
+                  </a:schemeClr>
                 </a:solidFill>
                 <a:effectLst/>
-                <a:latin typeface="Times New Roman" panose="02020603050405020304" pitchFamily="18" charset="0"/>
+                <a:latin typeface="Trebuchet MS (Body)"/>
                 <a:cs typeface="Times New Roman" panose="02020603050405020304" pitchFamily="18" charset="0"/>
               </a:rPr>
               <a:t> </a:t>
@@ -8076,10 +8534,13 @@
             <a:r>
               <a:rPr lang="en-US" sz="1800" b="0" i="0" dirty="0" err="1">
                 <a:solidFill>
-                  <a:srgbClr val="000000"/>
+                  <a:schemeClr val="tx1">
+                    <a:lumMod val="75000"/>
+                    <a:lumOff val="25000"/>
+                  </a:schemeClr>
                 </a:solidFill>
                 <a:effectLst/>
-                <a:latin typeface="Times New Roman" panose="02020603050405020304" pitchFamily="18" charset="0"/>
+                <a:latin typeface="Trebuchet MS (Body)"/>
                 <a:cs typeface="Times New Roman" panose="02020603050405020304" pitchFamily="18" charset="0"/>
               </a:rPr>
               <a:t>statistikama</a:t>
@@ -8087,10 +8548,13 @@
             <a:r>
               <a:rPr lang="en-US" sz="1800" b="0" i="0" dirty="0">
                 <a:solidFill>
-                  <a:srgbClr val="000000"/>
+                  <a:schemeClr val="tx1">
+                    <a:lumMod val="75000"/>
+                    <a:lumOff val="25000"/>
+                  </a:schemeClr>
                 </a:solidFill>
                 <a:effectLst/>
-                <a:latin typeface="Times New Roman" panose="02020603050405020304" pitchFamily="18" charset="0"/>
+                <a:latin typeface="Trebuchet MS (Body)"/>
                 <a:cs typeface="Times New Roman" panose="02020603050405020304" pitchFamily="18" charset="0"/>
               </a:rPr>
               <a:t> </a:t>
@@ -8098,10 +8562,13 @@
             <a:r>
               <a:rPr lang="en-US" sz="1800" b="0" i="0" dirty="0" err="1">
                 <a:solidFill>
-                  <a:srgbClr val="000000"/>
+                  <a:schemeClr val="tx1">
+                    <a:lumMod val="75000"/>
+                    <a:lumOff val="25000"/>
+                  </a:schemeClr>
                 </a:solidFill>
                 <a:effectLst/>
-                <a:latin typeface="Times New Roman" panose="02020603050405020304" pitchFamily="18" charset="0"/>
+                <a:latin typeface="Trebuchet MS (Body)"/>
                 <a:cs typeface="Times New Roman" panose="02020603050405020304" pitchFamily="18" charset="0"/>
               </a:rPr>
               <a:t>koje</a:t>
@@ -8109,10 +8576,13 @@
             <a:r>
               <a:rPr lang="en-US" sz="1800" b="0" i="0" dirty="0">
                 <a:solidFill>
-                  <a:srgbClr val="000000"/>
+                  <a:schemeClr val="tx1">
+                    <a:lumMod val="75000"/>
+                    <a:lumOff val="25000"/>
+                  </a:schemeClr>
                 </a:solidFill>
                 <a:effectLst/>
-                <a:latin typeface="Times New Roman" panose="02020603050405020304" pitchFamily="18" charset="0"/>
+                <a:latin typeface="Trebuchet MS (Body)"/>
                 <a:cs typeface="Times New Roman" panose="02020603050405020304" pitchFamily="18" charset="0"/>
               </a:rPr>
               <a:t> </a:t>
@@ -8120,10 +8590,13 @@
             <a:r>
               <a:rPr lang="en-US" sz="1800" b="0" i="0" dirty="0" err="1">
                 <a:solidFill>
-                  <a:srgbClr val="000000"/>
+                  <a:schemeClr val="tx1">
+                    <a:lumMod val="75000"/>
+                    <a:lumOff val="25000"/>
+                  </a:schemeClr>
                 </a:solidFill>
                 <a:effectLst/>
-                <a:latin typeface="Times New Roman" panose="02020603050405020304" pitchFamily="18" charset="0"/>
+                <a:latin typeface="Trebuchet MS (Body)"/>
                 <a:cs typeface="Times New Roman" panose="02020603050405020304" pitchFamily="18" charset="0"/>
               </a:rPr>
               <a:t>su</a:t>
@@ -8131,10 +8604,13 @@
             <a:r>
               <a:rPr lang="en-US" sz="1800" b="0" i="0" dirty="0">
                 <a:solidFill>
-                  <a:srgbClr val="000000"/>
+                  <a:schemeClr val="tx1">
+                    <a:lumMod val="75000"/>
+                    <a:lumOff val="25000"/>
+                  </a:schemeClr>
                 </a:solidFill>
                 <a:effectLst/>
-                <a:latin typeface="Times New Roman" panose="02020603050405020304" pitchFamily="18" charset="0"/>
+                <a:latin typeface="Trebuchet MS (Body)"/>
                 <a:cs typeface="Times New Roman" panose="02020603050405020304" pitchFamily="18" charset="0"/>
               </a:rPr>
               <a:t> </a:t>
@@ -8142,10 +8618,13 @@
             <a:r>
               <a:rPr lang="en-US" sz="1800" b="0" i="0" dirty="0" err="1">
                 <a:solidFill>
-                  <a:srgbClr val="000000"/>
+                  <a:schemeClr val="tx1">
+                    <a:lumMod val="75000"/>
+                    <a:lumOff val="25000"/>
+                  </a:schemeClr>
                 </a:solidFill>
                 <a:effectLst/>
-                <a:latin typeface="Times New Roman" panose="02020603050405020304" pitchFamily="18" charset="0"/>
+                <a:latin typeface="Trebuchet MS (Body)"/>
                 <a:cs typeface="Times New Roman" panose="02020603050405020304" pitchFamily="18" charset="0"/>
               </a:rPr>
               <a:t>postigli</a:t>
@@ -8153,204 +8632,363 @@
             <a:r>
               <a:rPr lang="en-US" sz="1800" b="0" i="0" dirty="0">
                 <a:solidFill>
-                  <a:srgbClr val="000000"/>
+                  <a:schemeClr val="tx1">
+                    <a:lumMod val="75000"/>
+                    <a:lumOff val="25000"/>
+                  </a:schemeClr>
                 </a:solidFill>
                 <a:effectLst/>
-                <a:latin typeface="Times New Roman" panose="02020603050405020304" pitchFamily="18" charset="0"/>
+                <a:latin typeface="Trebuchet MS (Body)"/>
                 <a:cs typeface="Times New Roman" panose="02020603050405020304" pitchFamily="18" charset="0"/>
               </a:rPr>
               <a:t>.</a:t>
             </a:r>
             <a:endParaRPr lang="sr-Latn-RS" sz="1800" b="0" i="0" dirty="0">
               <a:solidFill>
-                <a:srgbClr val="000000"/>
+                <a:schemeClr val="tx1">
+                  <a:lumMod val="75000"/>
+                  <a:lumOff val="25000"/>
+                </a:schemeClr>
               </a:solidFill>
               <a:effectLst/>
-              <a:latin typeface="Times New Roman" panose="02020603050405020304" pitchFamily="18" charset="0"/>
+              <a:latin typeface="Trebuchet MS (Body)"/>
               <a:cs typeface="Times New Roman" panose="02020603050405020304" pitchFamily="18" charset="0"/>
             </a:endParaRPr>
           </a:p>
           <a:p>
             <a:endParaRPr lang="sr-Latn-RS" dirty="0">
               <a:solidFill>
-                <a:srgbClr val="000000"/>
+                <a:schemeClr val="tx1">
+                  <a:lumMod val="75000"/>
+                  <a:lumOff val="25000"/>
+                </a:schemeClr>
               </a:solidFill>
-              <a:latin typeface="Times New Roman" panose="02020603050405020304" pitchFamily="18" charset="0"/>
+              <a:latin typeface="Trebuchet MS (Body)"/>
               <a:cs typeface="Times New Roman" panose="02020603050405020304" pitchFamily="18" charset="0"/>
             </a:endParaRPr>
           </a:p>
           <a:p>
             <a:r>
               <a:rPr lang="en-US" dirty="0" err="1">
-                <a:latin typeface="Times New Roman" panose="02020603050405020304" pitchFamily="18" charset="0"/>
+                <a:solidFill>
+                  <a:schemeClr val="tx1">
+                    <a:lumMod val="75000"/>
+                    <a:lumOff val="25000"/>
+                  </a:schemeClr>
+                </a:solidFill>
+                <a:latin typeface="Trebuchet MS (Body)"/>
                 <a:cs typeface="Times New Roman" panose="02020603050405020304" pitchFamily="18" charset="0"/>
               </a:rPr>
               <a:t>Ukupan</a:t>
             </a:r>
             <a:r>
               <a:rPr lang="en-US" dirty="0">
-                <a:latin typeface="Times New Roman" panose="02020603050405020304" pitchFamily="18" charset="0"/>
+                <a:solidFill>
+                  <a:schemeClr val="tx1">
+                    <a:lumMod val="75000"/>
+                    <a:lumOff val="25000"/>
+                  </a:schemeClr>
+                </a:solidFill>
+                <a:latin typeface="Trebuchet MS (Body)"/>
                 <a:cs typeface="Times New Roman" panose="02020603050405020304" pitchFamily="18" charset="0"/>
               </a:rPr>
               <a:t> </a:t>
             </a:r>
             <a:r>
               <a:rPr lang="en-US" dirty="0" err="1">
-                <a:latin typeface="Times New Roman" panose="02020603050405020304" pitchFamily="18" charset="0"/>
+                <a:solidFill>
+                  <a:schemeClr val="tx1">
+                    <a:lumMod val="75000"/>
+                    <a:lumOff val="25000"/>
+                  </a:schemeClr>
+                </a:solidFill>
+                <a:latin typeface="Trebuchet MS (Body)"/>
                 <a:cs typeface="Times New Roman" panose="02020603050405020304" pitchFamily="18" charset="0"/>
               </a:rPr>
               <a:t>broj</a:t>
             </a:r>
             <a:r>
               <a:rPr lang="en-US" dirty="0">
-                <a:latin typeface="Times New Roman" panose="02020603050405020304" pitchFamily="18" charset="0"/>
+                <a:solidFill>
+                  <a:schemeClr val="tx1">
+                    <a:lumMod val="75000"/>
+                    <a:lumOff val="25000"/>
+                  </a:schemeClr>
+                </a:solidFill>
+                <a:latin typeface="Trebuchet MS (Body)"/>
                 <a:cs typeface="Times New Roman" panose="02020603050405020304" pitchFamily="18" charset="0"/>
               </a:rPr>
               <a:t> </a:t>
             </a:r>
             <a:r>
               <a:rPr lang="en-US" dirty="0" err="1">
-                <a:latin typeface="Times New Roman" panose="02020603050405020304" pitchFamily="18" charset="0"/>
+                <a:solidFill>
+                  <a:schemeClr val="tx1">
+                    <a:lumMod val="75000"/>
+                    <a:lumOff val="25000"/>
+                  </a:schemeClr>
+                </a:solidFill>
+                <a:latin typeface="Trebuchet MS (Body)"/>
                 <a:cs typeface="Times New Roman" panose="02020603050405020304" pitchFamily="18" charset="0"/>
               </a:rPr>
               <a:t>instanci</a:t>
             </a:r>
             <a:r>
               <a:rPr lang="en-US" dirty="0">
-                <a:latin typeface="Times New Roman" panose="02020603050405020304" pitchFamily="18" charset="0"/>
+                <a:solidFill>
+                  <a:schemeClr val="tx1">
+                    <a:lumMod val="75000"/>
+                    <a:lumOff val="25000"/>
+                  </a:schemeClr>
+                </a:solidFill>
+                <a:latin typeface="Trebuchet MS (Body)"/>
                 <a:cs typeface="Times New Roman" panose="02020603050405020304" pitchFamily="18" charset="0"/>
               </a:rPr>
               <a:t> je 1340 od </a:t>
             </a:r>
             <a:r>
               <a:rPr lang="en-US" dirty="0" err="1">
-                <a:latin typeface="Times New Roman" panose="02020603050405020304" pitchFamily="18" charset="0"/>
+                <a:solidFill>
+                  <a:schemeClr val="tx1">
+                    <a:lumMod val="75000"/>
+                    <a:lumOff val="25000"/>
+                  </a:schemeClr>
+                </a:solidFill>
+                <a:latin typeface="Trebuchet MS (Body)"/>
                 <a:cs typeface="Times New Roman" panose="02020603050405020304" pitchFamily="18" charset="0"/>
               </a:rPr>
               <a:t>kojih</a:t>
             </a:r>
             <a:r>
               <a:rPr lang="en-US" dirty="0">
-                <a:latin typeface="Times New Roman" panose="02020603050405020304" pitchFamily="18" charset="0"/>
+                <a:solidFill>
+                  <a:schemeClr val="tx1">
+                    <a:lumMod val="75000"/>
+                    <a:lumOff val="25000"/>
+                  </a:schemeClr>
+                </a:solidFill>
+                <a:latin typeface="Trebuchet MS (Body)"/>
                 <a:cs typeface="Times New Roman" panose="02020603050405020304" pitchFamily="18" charset="0"/>
               </a:rPr>
               <a:t> </a:t>
             </a:r>
             <a:r>
               <a:rPr lang="en-US" dirty="0" err="1">
-                <a:latin typeface="Times New Roman" panose="02020603050405020304" pitchFamily="18" charset="0"/>
+                <a:solidFill>
+                  <a:schemeClr val="tx1">
+                    <a:lumMod val="75000"/>
+                    <a:lumOff val="25000"/>
+                  </a:schemeClr>
+                </a:solidFill>
+                <a:latin typeface="Trebuchet MS (Body)"/>
                 <a:cs typeface="Times New Roman" panose="02020603050405020304" pitchFamily="18" charset="0"/>
               </a:rPr>
               <a:t>njih</a:t>
             </a:r>
             <a:r>
               <a:rPr lang="en-US" dirty="0">
-                <a:latin typeface="Times New Roman" panose="02020603050405020304" pitchFamily="18" charset="0"/>
+                <a:solidFill>
+                  <a:schemeClr val="tx1">
+                    <a:lumMod val="75000"/>
+                    <a:lumOff val="25000"/>
+                  </a:schemeClr>
+                </a:solidFill>
+                <a:latin typeface="Trebuchet MS (Body)"/>
                 <a:cs typeface="Times New Roman" panose="02020603050405020304" pitchFamily="18" charset="0"/>
               </a:rPr>
               <a:t> 20 </a:t>
             </a:r>
             <a:r>
               <a:rPr lang="en-US" dirty="0" err="1">
-                <a:latin typeface="Times New Roman" panose="02020603050405020304" pitchFamily="18" charset="0"/>
+                <a:solidFill>
+                  <a:schemeClr val="tx1">
+                    <a:lumMod val="75000"/>
+                    <a:lumOff val="25000"/>
+                  </a:schemeClr>
+                </a:solidFill>
+                <a:latin typeface="Trebuchet MS (Body)"/>
                 <a:cs typeface="Times New Roman" panose="02020603050405020304" pitchFamily="18" charset="0"/>
               </a:rPr>
               <a:t>ima</a:t>
             </a:r>
             <a:r>
               <a:rPr lang="en-US" dirty="0">
-                <a:latin typeface="Times New Roman" panose="02020603050405020304" pitchFamily="18" charset="0"/>
+                <a:solidFill>
+                  <a:schemeClr val="tx1">
+                    <a:lumMod val="75000"/>
+                    <a:lumOff val="25000"/>
+                  </a:schemeClr>
+                </a:solidFill>
+                <a:latin typeface="Trebuchet MS (Body)"/>
                 <a:cs typeface="Times New Roman" panose="02020603050405020304" pitchFamily="18" charset="0"/>
               </a:rPr>
               <a:t> </a:t>
             </a:r>
             <a:r>
               <a:rPr lang="en-US" dirty="0" err="1">
-                <a:latin typeface="Times New Roman" panose="02020603050405020304" pitchFamily="18" charset="0"/>
+                <a:solidFill>
+                  <a:schemeClr val="tx1">
+                    <a:lumMod val="75000"/>
+                    <a:lumOff val="25000"/>
+                  </a:schemeClr>
+                </a:solidFill>
+                <a:latin typeface="Trebuchet MS (Body)"/>
                 <a:cs typeface="Times New Roman" panose="02020603050405020304" pitchFamily="18" charset="0"/>
               </a:rPr>
               <a:t>nedostajuće</a:t>
             </a:r>
             <a:r>
               <a:rPr lang="en-US" dirty="0">
-                <a:latin typeface="Times New Roman" panose="02020603050405020304" pitchFamily="18" charset="0"/>
+                <a:solidFill>
+                  <a:schemeClr val="tx1">
+                    <a:lumMod val="75000"/>
+                    <a:lumOff val="25000"/>
+                  </a:schemeClr>
+                </a:solidFill>
+                <a:latin typeface="Trebuchet MS (Body)"/>
                 <a:cs typeface="Times New Roman" panose="02020603050405020304" pitchFamily="18" charset="0"/>
               </a:rPr>
               <a:t> </a:t>
             </a:r>
             <a:r>
               <a:rPr lang="en-US" dirty="0" err="1">
-                <a:latin typeface="Times New Roman" panose="02020603050405020304" pitchFamily="18" charset="0"/>
+                <a:solidFill>
+                  <a:schemeClr val="tx1">
+                    <a:lumMod val="75000"/>
+                    <a:lumOff val="25000"/>
+                  </a:schemeClr>
+                </a:solidFill>
+                <a:latin typeface="Trebuchet MS (Body)"/>
                 <a:cs typeface="Times New Roman" panose="02020603050405020304" pitchFamily="18" charset="0"/>
               </a:rPr>
               <a:t>vrednosti</a:t>
             </a:r>
             <a:r>
               <a:rPr lang="en-US" dirty="0">
-                <a:latin typeface="Times New Roman" panose="02020603050405020304" pitchFamily="18" charset="0"/>
+                <a:solidFill>
+                  <a:schemeClr val="tx1">
+                    <a:lumMod val="75000"/>
+                    <a:lumOff val="25000"/>
+                  </a:schemeClr>
+                </a:solidFill>
+                <a:latin typeface="Trebuchet MS (Body)"/>
                 <a:cs typeface="Times New Roman" panose="02020603050405020304" pitchFamily="18" charset="0"/>
               </a:rPr>
               <a:t>. </a:t>
             </a:r>
             <a:r>
               <a:rPr lang="en-US" dirty="0" err="1">
-                <a:latin typeface="Times New Roman" panose="02020603050405020304" pitchFamily="18" charset="0"/>
+                <a:solidFill>
+                  <a:schemeClr val="tx1">
+                    <a:lumMod val="75000"/>
+                    <a:lumOff val="25000"/>
+                  </a:schemeClr>
+                </a:solidFill>
+                <a:latin typeface="Trebuchet MS (Body)"/>
                 <a:cs typeface="Times New Roman" panose="02020603050405020304" pitchFamily="18" charset="0"/>
               </a:rPr>
               <a:t>Broj</a:t>
             </a:r>
             <a:r>
               <a:rPr lang="en-US" dirty="0">
-                <a:latin typeface="Times New Roman" panose="02020603050405020304" pitchFamily="18" charset="0"/>
+                <a:solidFill>
+                  <a:schemeClr val="tx1">
+                    <a:lumMod val="75000"/>
+                    <a:lumOff val="25000"/>
+                  </a:schemeClr>
+                </a:solidFill>
+                <a:latin typeface="Trebuchet MS (Body)"/>
                 <a:cs typeface="Times New Roman" panose="02020603050405020304" pitchFamily="18" charset="0"/>
               </a:rPr>
               <a:t> </a:t>
             </a:r>
             <a:r>
               <a:rPr lang="en-US" dirty="0" err="1">
-                <a:latin typeface="Times New Roman" panose="02020603050405020304" pitchFamily="18" charset="0"/>
+                <a:solidFill>
+                  <a:schemeClr val="tx1">
+                    <a:lumMod val="75000"/>
+                    <a:lumOff val="25000"/>
+                  </a:schemeClr>
+                </a:solidFill>
+                <a:latin typeface="Trebuchet MS (Body)"/>
                 <a:cs typeface="Times New Roman" panose="02020603050405020304" pitchFamily="18" charset="0"/>
               </a:rPr>
               <a:t>predvidjenih</a:t>
             </a:r>
             <a:r>
               <a:rPr lang="en-US" dirty="0">
-                <a:latin typeface="Times New Roman" panose="02020603050405020304" pitchFamily="18" charset="0"/>
+                <a:solidFill>
+                  <a:schemeClr val="tx1">
+                    <a:lumMod val="75000"/>
+                    <a:lumOff val="25000"/>
+                  </a:schemeClr>
+                </a:solidFill>
+                <a:latin typeface="Trebuchet MS (Body)"/>
                 <a:cs typeface="Times New Roman" panose="02020603050405020304" pitchFamily="18" charset="0"/>
               </a:rPr>
               <a:t> </a:t>
             </a:r>
             <a:r>
               <a:rPr lang="en-US" dirty="0" err="1">
-                <a:latin typeface="Times New Roman" panose="02020603050405020304" pitchFamily="18" charset="0"/>
+                <a:solidFill>
+                  <a:schemeClr val="tx1">
+                    <a:lumMod val="75000"/>
+                    <a:lumOff val="25000"/>
+                  </a:schemeClr>
+                </a:solidFill>
+                <a:latin typeface="Trebuchet MS (Body)"/>
                 <a:cs typeface="Times New Roman" panose="02020603050405020304" pitchFamily="18" charset="0"/>
               </a:rPr>
               <a:t>klasa</a:t>
             </a:r>
             <a:r>
               <a:rPr lang="en-US" dirty="0">
-                <a:latin typeface="Times New Roman" panose="02020603050405020304" pitchFamily="18" charset="0"/>
+                <a:solidFill>
+                  <a:schemeClr val="tx1">
+                    <a:lumMod val="75000"/>
+                    <a:lumOff val="25000"/>
+                  </a:schemeClr>
+                </a:solidFill>
+                <a:latin typeface="Trebuchet MS (Body)"/>
                 <a:cs typeface="Times New Roman" panose="02020603050405020304" pitchFamily="18" charset="0"/>
               </a:rPr>
               <a:t> je</a:t>
             </a:r>
             <a:r>
               <a:rPr lang="sr-Latn-RS" dirty="0">
-                <a:latin typeface="Times New Roman" panose="02020603050405020304" pitchFamily="18" charset="0"/>
+                <a:solidFill>
+                  <a:schemeClr val="tx1">
+                    <a:lumMod val="75000"/>
+                    <a:lumOff val="25000"/>
+                  </a:schemeClr>
+                </a:solidFill>
+                <a:latin typeface="Trebuchet MS (Body)"/>
                 <a:cs typeface="Times New Roman" panose="02020603050405020304" pitchFamily="18" charset="0"/>
               </a:rPr>
               <a:t> </a:t>
             </a:r>
             <a:r>
               <a:rPr lang="en-US" dirty="0">
-                <a:latin typeface="Times New Roman" panose="02020603050405020304" pitchFamily="18" charset="0"/>
+                <a:solidFill>
+                  <a:schemeClr val="tx1">
+                    <a:lumMod val="75000"/>
+                    <a:lumOff val="25000"/>
+                  </a:schemeClr>
+                </a:solidFill>
+                <a:latin typeface="Trebuchet MS (Body)"/>
                 <a:cs typeface="Times New Roman" panose="02020603050405020304" pitchFamily="18" charset="0"/>
               </a:rPr>
               <a:t>3.</a:t>
             </a:r>
             <a:r>
               <a:rPr lang="sr-Latn-RS" dirty="0">
-                <a:latin typeface="Times New Roman" panose="02020603050405020304" pitchFamily="18" charset="0"/>
+                <a:solidFill>
+                  <a:schemeClr val="tx1">
+                    <a:lumMod val="75000"/>
+                    <a:lumOff val="25000"/>
+                  </a:schemeClr>
+                </a:solidFill>
+                <a:latin typeface="Trebuchet MS (Body)"/>
                 <a:cs typeface="Times New Roman" panose="02020603050405020304" pitchFamily="18" charset="0"/>
               </a:rPr>
               <a:t> </a:t>
@@ -8358,119 +8996,221 @@
           </a:p>
           <a:p>
             <a:endParaRPr lang="sr-Latn-RS" dirty="0">
-              <a:latin typeface="Times New Roman" panose="02020603050405020304" pitchFamily="18" charset="0"/>
+              <a:solidFill>
+                <a:schemeClr val="tx1">
+                  <a:lumMod val="75000"/>
+                  <a:lumOff val="25000"/>
+                </a:schemeClr>
+              </a:solidFill>
+              <a:latin typeface="Trebuchet MS (Body)"/>
               <a:cs typeface="Times New Roman" panose="02020603050405020304" pitchFamily="18" charset="0"/>
             </a:endParaRPr>
           </a:p>
           <a:p>
             <a:r>
               <a:rPr lang="en-US" dirty="0" err="1">
-                <a:latin typeface="Times New Roman" panose="02020603050405020304" pitchFamily="18" charset="0"/>
+                <a:solidFill>
+                  <a:schemeClr val="tx1">
+                    <a:lumMod val="75000"/>
+                    <a:lumOff val="25000"/>
+                  </a:schemeClr>
+                </a:solidFill>
+                <a:latin typeface="Trebuchet MS (Body)"/>
                 <a:cs typeface="Times New Roman" panose="02020603050405020304" pitchFamily="18" charset="0"/>
               </a:rPr>
               <a:t>Napomenuto</a:t>
             </a:r>
             <a:r>
               <a:rPr lang="en-US" dirty="0">
-                <a:latin typeface="Times New Roman" panose="02020603050405020304" pitchFamily="18" charset="0"/>
+                <a:solidFill>
+                  <a:schemeClr val="tx1">
+                    <a:lumMod val="75000"/>
+                    <a:lumOff val="25000"/>
+                  </a:schemeClr>
+                </a:solidFill>
+                <a:latin typeface="Trebuchet MS (Body)"/>
                 <a:cs typeface="Times New Roman" panose="02020603050405020304" pitchFamily="18" charset="0"/>
               </a:rPr>
               <a:t> je da je </a:t>
             </a:r>
             <a:r>
               <a:rPr lang="en-US" dirty="0" err="1">
-                <a:latin typeface="Times New Roman" panose="02020603050405020304" pitchFamily="18" charset="0"/>
+                <a:solidFill>
+                  <a:schemeClr val="tx1">
+                    <a:lumMod val="75000"/>
+                    <a:lumOff val="25000"/>
+                  </a:schemeClr>
+                </a:solidFill>
+                <a:latin typeface="Trebuchet MS (Body)"/>
                 <a:cs typeface="Times New Roman" panose="02020603050405020304" pitchFamily="18" charset="0"/>
               </a:rPr>
               <a:t>kolona</a:t>
             </a:r>
             <a:r>
               <a:rPr lang="en-US" dirty="0">
-                <a:latin typeface="Times New Roman" panose="02020603050405020304" pitchFamily="18" charset="0"/>
+                <a:solidFill>
+                  <a:schemeClr val="tx1">
+                    <a:lumMod val="75000"/>
+                    <a:lumOff val="25000"/>
+                  </a:schemeClr>
+                </a:solidFill>
+                <a:latin typeface="Trebuchet MS (Body)"/>
                 <a:cs typeface="Times New Roman" panose="02020603050405020304" pitchFamily="18" charset="0"/>
               </a:rPr>
               <a:t> 'Player' </a:t>
             </a:r>
             <a:r>
               <a:rPr lang="en-US" dirty="0" err="1">
-                <a:latin typeface="Times New Roman" panose="02020603050405020304" pitchFamily="18" charset="0"/>
+                <a:solidFill>
+                  <a:schemeClr val="tx1">
+                    <a:lumMod val="75000"/>
+                    <a:lumOff val="25000"/>
+                  </a:schemeClr>
+                </a:solidFill>
+                <a:latin typeface="Trebuchet MS (Body)"/>
                 <a:cs typeface="Times New Roman" panose="02020603050405020304" pitchFamily="18" charset="0"/>
               </a:rPr>
               <a:t>identifikator</a:t>
             </a:r>
             <a:r>
               <a:rPr lang="en-US" dirty="0">
-                <a:latin typeface="Times New Roman" panose="02020603050405020304" pitchFamily="18" charset="0"/>
+                <a:solidFill>
+                  <a:schemeClr val="tx1">
+                    <a:lumMod val="75000"/>
+                    <a:lumOff val="25000"/>
+                  </a:schemeClr>
+                </a:solidFill>
+                <a:latin typeface="Trebuchet MS (Body)"/>
                 <a:cs typeface="Times New Roman" panose="02020603050405020304" pitchFamily="18" charset="0"/>
               </a:rPr>
               <a:t> koji je </a:t>
             </a:r>
             <a:r>
               <a:rPr lang="en-US" dirty="0" err="1">
-                <a:latin typeface="Times New Roman" panose="02020603050405020304" pitchFamily="18" charset="0"/>
+                <a:solidFill>
+                  <a:schemeClr val="tx1">
+                    <a:lumMod val="75000"/>
+                    <a:lumOff val="25000"/>
+                  </a:schemeClr>
+                </a:solidFill>
+                <a:latin typeface="Trebuchet MS (Body)"/>
                 <a:cs typeface="Times New Roman" panose="02020603050405020304" pitchFamily="18" charset="0"/>
               </a:rPr>
               <a:t>potrebno</a:t>
             </a:r>
             <a:r>
               <a:rPr lang="en-US" dirty="0">
-                <a:latin typeface="Times New Roman" panose="02020603050405020304" pitchFamily="18" charset="0"/>
+                <a:solidFill>
+                  <a:schemeClr val="tx1">
+                    <a:lumMod val="75000"/>
+                    <a:lumOff val="25000"/>
+                  </a:schemeClr>
+                </a:solidFill>
+                <a:latin typeface="Trebuchet MS (Body)"/>
                 <a:cs typeface="Times New Roman" panose="02020603050405020304" pitchFamily="18" charset="0"/>
               </a:rPr>
               <a:t> </a:t>
             </a:r>
             <a:r>
               <a:rPr lang="en-US" dirty="0" err="1">
-                <a:latin typeface="Times New Roman" panose="02020603050405020304" pitchFamily="18" charset="0"/>
+                <a:solidFill>
+                  <a:schemeClr val="tx1">
+                    <a:lumMod val="75000"/>
+                    <a:lumOff val="25000"/>
+                  </a:schemeClr>
+                </a:solidFill>
+                <a:latin typeface="Trebuchet MS (Body)"/>
                 <a:cs typeface="Times New Roman" panose="02020603050405020304" pitchFamily="18" charset="0"/>
               </a:rPr>
               <a:t>ignorisati</a:t>
             </a:r>
             <a:r>
               <a:rPr lang="en-US" dirty="0">
-                <a:latin typeface="Times New Roman" panose="02020603050405020304" pitchFamily="18" charset="0"/>
+                <a:solidFill>
+                  <a:schemeClr val="tx1">
+                    <a:lumMod val="75000"/>
+                    <a:lumOff val="25000"/>
+                  </a:schemeClr>
+                </a:solidFill>
+                <a:latin typeface="Trebuchet MS (Body)"/>
                 <a:cs typeface="Times New Roman" panose="02020603050405020304" pitchFamily="18" charset="0"/>
               </a:rPr>
               <a:t> </a:t>
             </a:r>
             <a:r>
               <a:rPr lang="en-US" dirty="0" err="1">
-                <a:latin typeface="Times New Roman" panose="02020603050405020304" pitchFamily="18" charset="0"/>
+                <a:solidFill>
+                  <a:schemeClr val="tx1">
+                    <a:lumMod val="75000"/>
+                    <a:lumOff val="25000"/>
+                  </a:schemeClr>
+                </a:solidFill>
+                <a:latin typeface="Trebuchet MS (Body)"/>
                 <a:cs typeface="Times New Roman" panose="02020603050405020304" pitchFamily="18" charset="0"/>
               </a:rPr>
               <a:t>prilikom</a:t>
             </a:r>
             <a:r>
               <a:rPr lang="en-US" dirty="0">
-                <a:latin typeface="Times New Roman" panose="02020603050405020304" pitchFamily="18" charset="0"/>
+                <a:solidFill>
+                  <a:schemeClr val="tx1">
+                    <a:lumMod val="75000"/>
+                    <a:lumOff val="25000"/>
+                  </a:schemeClr>
+                </a:solidFill>
+                <a:latin typeface="Trebuchet MS (Body)"/>
                 <a:cs typeface="Times New Roman" panose="02020603050405020304" pitchFamily="18" charset="0"/>
               </a:rPr>
               <a:t> </a:t>
             </a:r>
             <a:r>
               <a:rPr lang="en-US" dirty="0" err="1">
-                <a:latin typeface="Times New Roman" panose="02020603050405020304" pitchFamily="18" charset="0"/>
+                <a:solidFill>
+                  <a:schemeClr val="tx1">
+                    <a:lumMod val="75000"/>
+                    <a:lumOff val="25000"/>
+                  </a:schemeClr>
+                </a:solidFill>
+                <a:latin typeface="Trebuchet MS (Body)"/>
                 <a:cs typeface="Times New Roman" panose="02020603050405020304" pitchFamily="18" charset="0"/>
               </a:rPr>
               <a:t>kreiranja</a:t>
             </a:r>
             <a:r>
               <a:rPr lang="en-US" dirty="0">
-                <a:latin typeface="Times New Roman" panose="02020603050405020304" pitchFamily="18" charset="0"/>
+                <a:solidFill>
+                  <a:schemeClr val="tx1">
+                    <a:lumMod val="75000"/>
+                    <a:lumOff val="25000"/>
+                  </a:schemeClr>
+                </a:solidFill>
+                <a:latin typeface="Trebuchet MS (Body)"/>
                 <a:cs typeface="Times New Roman" panose="02020603050405020304" pitchFamily="18" charset="0"/>
               </a:rPr>
               <a:t> </a:t>
             </a:r>
             <a:r>
               <a:rPr lang="en-US" dirty="0" err="1">
-                <a:latin typeface="Times New Roman" panose="02020603050405020304" pitchFamily="18" charset="0"/>
+                <a:solidFill>
+                  <a:schemeClr val="tx1">
+                    <a:lumMod val="75000"/>
+                    <a:lumOff val="25000"/>
+                  </a:schemeClr>
+                </a:solidFill>
+                <a:latin typeface="Trebuchet MS (Body)"/>
                 <a:cs typeface="Times New Roman" panose="02020603050405020304" pitchFamily="18" charset="0"/>
               </a:rPr>
               <a:t>modela</a:t>
             </a:r>
             <a:r>
               <a:rPr lang="en-US" dirty="0">
-                <a:latin typeface="Times New Roman" panose="02020603050405020304" pitchFamily="18" charset="0"/>
+                <a:solidFill>
+                  <a:schemeClr val="tx1">
+                    <a:lumMod val="75000"/>
+                    <a:lumOff val="25000"/>
+                  </a:schemeClr>
+                </a:solidFill>
+                <a:latin typeface="Trebuchet MS (Body)"/>
                 <a:cs typeface="Times New Roman" panose="02020603050405020304" pitchFamily="18" charset="0"/>
               </a:rPr>
               <a:t>.</a:t>
@@ -8558,8 +9298,8 @@
         </p:nvSpPr>
         <p:spPr>
           <a:xfrm>
-            <a:off x="712537" y="1608328"/>
-            <a:ext cx="8596668" cy="3880773"/>
+            <a:off x="677334" y="4854701"/>
+            <a:ext cx="4499780" cy="1567359"/>
           </a:xfrm>
         </p:spPr>
         <p:txBody>
@@ -8668,8 +9408,8 @@
         </p:blipFill>
         <p:spPr>
           <a:xfrm>
-            <a:off x="6571230" y="3049709"/>
-            <a:ext cx="4943436" cy="3750489"/>
+            <a:off x="5177114" y="1503005"/>
+            <a:ext cx="4417796" cy="3351696"/>
           </a:xfrm>
           <a:prstGeom prst="rect">
             <a:avLst/>
@@ -8704,8 +9444,8 @@
         </p:blipFill>
         <p:spPr>
           <a:xfrm>
-            <a:off x="712537" y="3195924"/>
-            <a:ext cx="5858693" cy="3458058"/>
+            <a:off x="386110" y="1714029"/>
+            <a:ext cx="4789677" cy="2827078"/>
           </a:xfrm>
           <a:prstGeom prst="rect">
             <a:avLst/>
@@ -8801,8 +9541,8 @@
         </p:blipFill>
         <p:spPr>
           <a:xfrm>
-            <a:off x="0" y="1216783"/>
-            <a:ext cx="4651179" cy="3623778"/>
+            <a:off x="677334" y="3647989"/>
+            <a:ext cx="4060851" cy="3163848"/>
           </a:xfrm>
         </p:spPr>
       </p:pic>
@@ -8820,7 +9560,7 @@
         </p:nvSpPr>
         <p:spPr>
           <a:xfrm>
-            <a:off x="677334" y="4986079"/>
+            <a:off x="4975668" y="4768248"/>
             <a:ext cx="3996902" cy="923330"/>
           </a:xfrm>
           <a:prstGeom prst="rect">
@@ -8835,48 +9575,132 @@
           <a:lstStyle/>
           <a:p>
             <a:r>
-              <a:rPr lang="en-US" dirty="0" err="1"/>
+              <a:rPr lang="en-US" dirty="0" err="1">
+                <a:solidFill>
+                  <a:schemeClr val="tx1">
+                    <a:lumMod val="75000"/>
+                    <a:lumOff val="25000"/>
+                  </a:schemeClr>
+                </a:solidFill>
+              </a:rPr>
               <a:t>klasa</a:t>
             </a:r>
             <a:r>
-              <a:rPr lang="en-US" dirty="0"/>
+              <a:rPr lang="en-US" dirty="0">
+                <a:solidFill>
+                  <a:schemeClr val="tx1">
+                    <a:lumMod val="75000"/>
+                    <a:lumOff val="25000"/>
+                  </a:schemeClr>
+                </a:solidFill>
+              </a:rPr>
               <a:t> '0': 1215 </a:t>
             </a:r>
             <a:r>
-              <a:rPr lang="en-US" dirty="0" err="1"/>
+              <a:rPr lang="en-US" dirty="0" err="1">
+                <a:solidFill>
+                  <a:schemeClr val="tx1">
+                    <a:lumMod val="75000"/>
+                    <a:lumOff val="25000"/>
+                  </a:schemeClr>
+                </a:solidFill>
+              </a:rPr>
               <a:t>instanci</a:t>
             </a:r>
-            <a:endParaRPr lang="sr-Latn-RS" dirty="0"/>
-          </a:p>
-          <a:p>
-            <a:r>
-              <a:rPr lang="en-US" dirty="0" err="1"/>
+            <a:endParaRPr lang="sr-Latn-RS" dirty="0">
+              <a:solidFill>
+                <a:schemeClr val="tx1">
+                  <a:lumMod val="75000"/>
+                  <a:lumOff val="25000"/>
+                </a:schemeClr>
+              </a:solidFill>
+            </a:endParaRPr>
+          </a:p>
+          <a:p>
+            <a:r>
+              <a:rPr lang="en-US" dirty="0" err="1">
+                <a:solidFill>
+                  <a:schemeClr val="tx1">
+                    <a:lumMod val="75000"/>
+                    <a:lumOff val="25000"/>
+                  </a:schemeClr>
+                </a:solidFill>
+              </a:rPr>
               <a:t>klasa</a:t>
             </a:r>
             <a:r>
-              <a:rPr lang="en-US" dirty="0"/>
+              <a:rPr lang="en-US" dirty="0">
+                <a:solidFill>
+                  <a:schemeClr val="tx1">
+                    <a:lumMod val="75000"/>
+                    <a:lumOff val="25000"/>
+                  </a:schemeClr>
+                </a:solidFill>
+              </a:rPr>
               <a:t> '1': 57 </a:t>
             </a:r>
             <a:r>
-              <a:rPr lang="en-US" dirty="0" err="1"/>
+              <a:rPr lang="en-US" dirty="0" err="1">
+                <a:solidFill>
+                  <a:schemeClr val="tx1">
+                    <a:lumMod val="75000"/>
+                    <a:lumOff val="25000"/>
+                  </a:schemeClr>
+                </a:solidFill>
+              </a:rPr>
               <a:t>instanci</a:t>
             </a:r>
-            <a:endParaRPr lang="sr-Latn-RS" dirty="0"/>
-          </a:p>
-          <a:p>
-            <a:r>
-              <a:rPr lang="en-US" dirty="0" err="1"/>
+            <a:endParaRPr lang="sr-Latn-RS" dirty="0">
+              <a:solidFill>
+                <a:schemeClr val="tx1">
+                  <a:lumMod val="75000"/>
+                  <a:lumOff val="25000"/>
+                </a:schemeClr>
+              </a:solidFill>
+            </a:endParaRPr>
+          </a:p>
+          <a:p>
+            <a:r>
+              <a:rPr lang="en-US" dirty="0" err="1">
+                <a:solidFill>
+                  <a:schemeClr val="tx1">
+                    <a:lumMod val="75000"/>
+                    <a:lumOff val="25000"/>
+                  </a:schemeClr>
+                </a:solidFill>
+              </a:rPr>
               <a:t>klasa</a:t>
             </a:r>
             <a:r>
-              <a:rPr lang="en-US" dirty="0"/>
+              <a:rPr lang="en-US" dirty="0">
+                <a:solidFill>
+                  <a:schemeClr val="tx1">
+                    <a:lumMod val="75000"/>
+                    <a:lumOff val="25000"/>
+                  </a:schemeClr>
+                </a:solidFill>
+              </a:rPr>
               <a:t> '2': 68 </a:t>
             </a:r>
             <a:r>
-              <a:rPr lang="en-US" dirty="0" err="1"/>
+              <a:rPr lang="en-US" dirty="0" err="1">
+                <a:solidFill>
+                  <a:schemeClr val="tx1">
+                    <a:lumMod val="75000"/>
+                    <a:lumOff val="25000"/>
+                  </a:schemeClr>
+                </a:solidFill>
+              </a:rPr>
               <a:t>instanci</a:t>
             </a:r>
-            <a:endParaRPr lang="en-US" dirty="0"/>
+            <a:endParaRPr lang="en-US" dirty="0">
+              <a:solidFill>
+                <a:schemeClr val="tx1">
+                  <a:lumMod val="75000"/>
+                  <a:lumOff val="25000"/>
+                </a:schemeClr>
+              </a:solidFill>
+            </a:endParaRPr>
           </a:p>
         </p:txBody>
       </p:sp>
@@ -8908,7 +9732,7 @@
         </p:blipFill>
         <p:spPr>
           <a:xfrm>
-            <a:off x="4674236" y="2276965"/>
+            <a:off x="1090135" y="1437860"/>
             <a:ext cx="7023766" cy="1984214"/>
           </a:xfrm>
           <a:prstGeom prst="rect">
@@ -8930,7 +9754,7 @@
         </p:nvSpPr>
         <p:spPr>
           <a:xfrm>
-            <a:off x="7607274" y="4438963"/>
+            <a:off x="8404285" y="2245301"/>
             <a:ext cx="1157689" cy="369332"/>
           </a:xfrm>
           <a:prstGeom prst="rect">
@@ -8945,10 +9769,24 @@
           <a:lstStyle/>
           <a:p>
             <a:r>
-              <a:rPr lang="sr-Latn-RS" dirty="0"/>
+              <a:rPr lang="sr-Latn-RS" dirty="0">
+                <a:solidFill>
+                  <a:schemeClr val="tx1">
+                    <a:lumMod val="75000"/>
+                    <a:lumOff val="25000"/>
+                  </a:schemeClr>
+                </a:solidFill>
+              </a:rPr>
               <a:t>SMOTENC</a:t>
             </a:r>
-            <a:endParaRPr lang="en-US" dirty="0"/>
+            <a:endParaRPr lang="en-US" dirty="0">
+              <a:solidFill>
+                <a:schemeClr val="tx1">
+                  <a:lumMod val="75000"/>
+                  <a:lumOff val="25000"/>
+                </a:schemeClr>
+              </a:solidFill>
+            </a:endParaRPr>
           </a:p>
         </p:txBody>
       </p:sp>
@@ -10095,7 +10933,7 @@
         </p:blipFill>
         <p:spPr>
           <a:xfrm>
-            <a:off x="677334" y="1270000"/>
+            <a:off x="424021" y="1270000"/>
             <a:ext cx="6181969" cy="4978400"/>
           </a:xfrm>
         </p:spPr>
@@ -10114,8 +10952,8 @@
         </p:nvSpPr>
         <p:spPr>
           <a:xfrm>
-            <a:off x="7144719" y="2690336"/>
-            <a:ext cx="4757979" cy="1477328"/>
+            <a:off x="6743124" y="2328039"/>
+            <a:ext cx="2864253" cy="2308324"/>
           </a:xfrm>
           <a:prstGeom prst="rect">
             <a:avLst/>

--- a/presentation.pptx
+++ b/presentation.pptx
@@ -6830,9 +6830,8 @@
               </a:ext>
             </a:extLst>
           </a:blip>
-          <a:stretch>
-            <a:fillRect/>
-          </a:stretch>
+          <a:srcRect/>
+          <a:stretch/>
         </p:blipFill>
         <p:spPr>
           <a:xfrm>
@@ -7605,10 +7604,10 @@
       </p:sp>
       <p:pic>
         <p:nvPicPr>
-          <p:cNvPr id="5" name="Content Placeholder 4">
+          <p:cNvPr id="7" name="Content Placeholder 6">
             <a:extLst>
               <a:ext uri="{FF2B5EF4-FFF2-40B4-BE49-F238E27FC236}">
-                <a16:creationId xmlns:a16="http://schemas.microsoft.com/office/drawing/2014/main" id="{C56445F4-0B8F-03B2-7B81-E68C9A62ADAB}"/>
+                <a16:creationId xmlns:a16="http://schemas.microsoft.com/office/drawing/2014/main" id="{E6D33ADE-A1B5-B0C3-0152-461C713E2B5D}"/>
               </a:ext>
             </a:extLst>
           </p:cNvPr>
@@ -7633,8 +7632,8 @@
         </p:blipFill>
         <p:spPr>
           <a:xfrm>
-            <a:off x="406004" y="298623"/>
-            <a:ext cx="8867998" cy="6172199"/>
+            <a:off x="156244" y="418285"/>
+            <a:ext cx="9257591" cy="4487347"/>
           </a:xfrm>
         </p:spPr>
       </p:pic>
@@ -7695,10 +7694,10 @@
       </p:sp>
       <p:pic>
         <p:nvPicPr>
-          <p:cNvPr id="5" name="Content Placeholder 4">
+          <p:cNvPr id="7" name="Content Placeholder 6">
             <a:extLst>
               <a:ext uri="{FF2B5EF4-FFF2-40B4-BE49-F238E27FC236}">
-                <a16:creationId xmlns:a16="http://schemas.microsoft.com/office/drawing/2014/main" id="{C56445F4-0B8F-03B2-7B81-E68C9A62ADAB}"/>
+                <a16:creationId xmlns:a16="http://schemas.microsoft.com/office/drawing/2014/main" id="{4886F292-279A-D59F-D86D-11D3E6797ED3}"/>
               </a:ext>
             </a:extLst>
           </p:cNvPr>
@@ -7717,13 +7716,14 @@
               </a:ext>
             </a:extLst>
           </a:blip>
-          <a:srcRect/>
-          <a:stretch/>
+          <a:stretch>
+            <a:fillRect/>
+          </a:stretch>
         </p:blipFill>
         <p:spPr>
           <a:xfrm>
-            <a:off x="432634" y="253314"/>
-            <a:ext cx="8841368" cy="6153665"/>
+            <a:off x="233677" y="517139"/>
+            <a:ext cx="9207464" cy="4437920"/>
           </a:xfrm>
         </p:spPr>
       </p:pic>
@@ -7784,10 +7784,10 @@
       </p:sp>
       <p:pic>
         <p:nvPicPr>
-          <p:cNvPr id="5" name="Content Placeholder 4">
+          <p:cNvPr id="7" name="Content Placeholder 6">
             <a:extLst>
               <a:ext uri="{FF2B5EF4-FFF2-40B4-BE49-F238E27FC236}">
-                <a16:creationId xmlns:a16="http://schemas.microsoft.com/office/drawing/2014/main" id="{C56445F4-0B8F-03B2-7B81-E68C9A62ADAB}"/>
+                <a16:creationId xmlns:a16="http://schemas.microsoft.com/office/drawing/2014/main" id="{C6A7AF01-2170-8FC8-A9F5-8EC311615689}"/>
               </a:ext>
             </a:extLst>
           </p:cNvPr>
@@ -7806,13 +7806,14 @@
               </a:ext>
             </a:extLst>
           </a:blip>
-          <a:srcRect/>
-          <a:stretch/>
+          <a:stretch>
+            <a:fillRect/>
+          </a:stretch>
         </p:blipFill>
         <p:spPr>
           <a:xfrm>
-            <a:off x="414880" y="240957"/>
-            <a:ext cx="8859122" cy="6166022"/>
+            <a:off x="243534" y="517139"/>
+            <a:ext cx="9139630" cy="4462634"/>
           </a:xfrm>
         </p:spPr>
       </p:pic>
